--- a/Introduction.pptx
+++ b/Introduction.pptx
@@ -113,6 +113,120 @@
     </p:ext>
   </p:extLst>
 </p:presentation>
+</file>
+
+<file path=ppt/revisionInfo.xml><?xml version="1.0" encoding="utf-8"?>
+<p1510:revInfo xmlns:a="http://schemas.openxmlformats.org/drawingml/2006/main" xmlns:r="http://schemas.openxmlformats.org/officeDocument/2006/relationships" xmlns:p1510="http://schemas.microsoft.com/office/powerpoint/2015/10/main">
+  <p1510:revLst>
+    <p1510:client id="{09758DA6-C54C-43E7-BBCF-4258CF3C469B}" v="17" dt="2018-11-25T13:48:47.419"/>
+  </p1510:revLst>
+</p1510:revInfo>
+</file>
+
+<file path=ppt/changesInfos/changesInfo1.xml><?xml version="1.0" encoding="utf-8"?>
+<pc:chgInfo xmlns:a="http://schemas.openxmlformats.org/drawingml/2006/main" xmlns:r="http://schemas.openxmlformats.org/officeDocument/2006/relationships" xmlns:ac="http://schemas.microsoft.com/office/drawing/2013/main/command" xmlns:pc="http://schemas.microsoft.com/office/powerpoint/2013/main/command">
+  <pc:docChgLst>
+    <pc:chgData name="Geoffrey Chambers" userId="60ce0cddda231f84" providerId="LiveId" clId="{09758DA6-C54C-43E7-BBCF-4258CF3C469B}"/>
+    <pc:docChg chg="undo custSel modSld">
+      <pc:chgData name="Geoffrey Chambers" userId="60ce0cddda231f84" providerId="LiveId" clId="{09758DA6-C54C-43E7-BBCF-4258CF3C469B}" dt="2018-11-25T13:49:15.488" v="922" actId="1035"/>
+      <pc:docMkLst>
+        <pc:docMk/>
+      </pc:docMkLst>
+      <pc:sldChg chg="addSp modSp">
+        <pc:chgData name="Geoffrey Chambers" userId="60ce0cddda231f84" providerId="LiveId" clId="{09758DA6-C54C-43E7-BBCF-4258CF3C469B}" dt="2018-11-25T13:49:15.488" v="922" actId="1035"/>
+        <pc:sldMkLst>
+          <pc:docMk/>
+          <pc:sldMk cId="1650244089" sldId="257"/>
+        </pc:sldMkLst>
+        <pc:spChg chg="mod">
+          <ac:chgData name="Geoffrey Chambers" userId="60ce0cddda231f84" providerId="LiveId" clId="{09758DA6-C54C-43E7-BBCF-4258CF3C469B}" dt="2018-11-25T13:37:15.689" v="167" actId="20577"/>
+          <ac:spMkLst>
+            <pc:docMk/>
+            <pc:sldMk cId="1650244089" sldId="257"/>
+            <ac:spMk id="13" creationId="{00000000-0000-0000-0000-000000000000}"/>
+          </ac:spMkLst>
+        </pc:spChg>
+        <pc:spChg chg="add mod">
+          <ac:chgData name="Geoffrey Chambers" userId="60ce0cddda231f84" providerId="LiveId" clId="{09758DA6-C54C-43E7-BBCF-4258CF3C469B}" dt="2018-11-25T13:49:15.488" v="922" actId="1035"/>
+          <ac:spMkLst>
+            <pc:docMk/>
+            <pc:sldMk cId="1650244089" sldId="257"/>
+            <ac:spMk id="14" creationId="{42243601-6BA3-4F39-9F78-11658218FB48}"/>
+          </ac:spMkLst>
+        </pc:spChg>
+        <pc:picChg chg="mod">
+          <ac:chgData name="Geoffrey Chambers" userId="60ce0cddda231f84" providerId="LiveId" clId="{09758DA6-C54C-43E7-BBCF-4258CF3C469B}" dt="2018-11-25T13:48:25.741" v="846" actId="1076"/>
+          <ac:picMkLst>
+            <pc:docMk/>
+            <pc:sldMk cId="1650244089" sldId="257"/>
+            <ac:picMk id="3" creationId="{00000000-0000-0000-0000-000000000000}"/>
+          </ac:picMkLst>
+        </pc:picChg>
+        <pc:picChg chg="mod">
+          <ac:chgData name="Geoffrey Chambers" userId="60ce0cddda231f84" providerId="LiveId" clId="{09758DA6-C54C-43E7-BBCF-4258CF3C469B}" dt="2018-11-25T13:48:25.741" v="846" actId="1076"/>
+          <ac:picMkLst>
+            <pc:docMk/>
+            <pc:sldMk cId="1650244089" sldId="257"/>
+            <ac:picMk id="9" creationId="{00000000-0000-0000-0000-000000000000}"/>
+          </ac:picMkLst>
+        </pc:picChg>
+        <pc:picChg chg="mod">
+          <ac:chgData name="Geoffrey Chambers" userId="60ce0cddda231f84" providerId="LiveId" clId="{09758DA6-C54C-43E7-BBCF-4258CF3C469B}" dt="2018-11-25T13:48:25.741" v="846" actId="1076"/>
+          <ac:picMkLst>
+            <pc:docMk/>
+            <pc:sldMk cId="1650244089" sldId="257"/>
+            <ac:picMk id="10" creationId="{00000000-0000-0000-0000-000000000000}"/>
+          </ac:picMkLst>
+        </pc:picChg>
+      </pc:sldChg>
+      <pc:sldChg chg="modSp">
+        <pc:chgData name="Geoffrey Chambers" userId="60ce0cddda231f84" providerId="LiveId" clId="{09758DA6-C54C-43E7-BBCF-4258CF3C469B}" dt="2018-11-25T13:40:37.801" v="575" actId="20577"/>
+        <pc:sldMkLst>
+          <pc:docMk/>
+          <pc:sldMk cId="189162036" sldId="258"/>
+        </pc:sldMkLst>
+        <pc:spChg chg="mod">
+          <ac:chgData name="Geoffrey Chambers" userId="60ce0cddda231f84" providerId="LiveId" clId="{09758DA6-C54C-43E7-BBCF-4258CF3C469B}" dt="2018-11-25T13:40:37.801" v="575" actId="20577"/>
+          <ac:spMkLst>
+            <pc:docMk/>
+            <pc:sldMk cId="189162036" sldId="258"/>
+            <ac:spMk id="5" creationId="{00000000-0000-0000-0000-000000000000}"/>
+          </ac:spMkLst>
+        </pc:spChg>
+      </pc:sldChg>
+      <pc:sldChg chg="modSp">
+        <pc:chgData name="Geoffrey Chambers" userId="60ce0cddda231f84" providerId="LiveId" clId="{09758DA6-C54C-43E7-BBCF-4258CF3C469B}" dt="2018-11-25T13:45:20.387" v="757" actId="207"/>
+        <pc:sldMkLst>
+          <pc:docMk/>
+          <pc:sldMk cId="2085666245" sldId="259"/>
+        </pc:sldMkLst>
+        <pc:spChg chg="mod">
+          <ac:chgData name="Geoffrey Chambers" userId="60ce0cddda231f84" providerId="LiveId" clId="{09758DA6-C54C-43E7-BBCF-4258CF3C469B}" dt="2018-11-25T13:45:20.387" v="757" actId="207"/>
+          <ac:spMkLst>
+            <pc:docMk/>
+            <pc:sldMk cId="2085666245" sldId="259"/>
+            <ac:spMk id="3" creationId="{00000000-0000-0000-0000-000000000000}"/>
+          </ac:spMkLst>
+        </pc:spChg>
+      </pc:sldChg>
+      <pc:sldChg chg="modSp">
+        <pc:chgData name="Geoffrey Chambers" userId="60ce0cddda231f84" providerId="LiveId" clId="{09758DA6-C54C-43E7-BBCF-4258CF3C469B}" dt="2018-11-25T13:46:41.581" v="845" actId="20577"/>
+        <pc:sldMkLst>
+          <pc:docMk/>
+          <pc:sldMk cId="45027736" sldId="260"/>
+        </pc:sldMkLst>
+        <pc:spChg chg="mod">
+          <ac:chgData name="Geoffrey Chambers" userId="60ce0cddda231f84" providerId="LiveId" clId="{09758DA6-C54C-43E7-BBCF-4258CF3C469B}" dt="2018-11-25T13:46:41.581" v="845" actId="20577"/>
+          <ac:spMkLst>
+            <pc:docMk/>
+            <pc:sldMk cId="45027736" sldId="260"/>
+            <ac:spMk id="3" creationId="{00000000-0000-0000-0000-000000000000}"/>
+          </ac:spMkLst>
+        </pc:spChg>
+      </pc:sldChg>
+    </pc:docChg>
+  </pc:docChgLst>
+</pc:chgInfo>
 </file>
 
 <file path=ppt/slideLayouts/slideLayout1.xml><?xml version="1.0" encoding="utf-8"?>
@@ -693,7 +807,7 @@
           </a:lstStyle>
           <a:p>
             <a:r>
-              <a:rPr lang="en-US" smtClean="0"/>
+              <a:rPr lang="en-US"/>
               <a:t>Click to edit Master title style</a:t>
             </a:r>
             <a:endParaRPr lang="en-US" dirty="0"/>
@@ -813,7 +927,7 @@
           </a:lstStyle>
           <a:p>
             <a:r>
-              <a:rPr lang="en-US" smtClean="0"/>
+              <a:rPr lang="en-US"/>
               <a:t>Click to edit Master subtitle style</a:t>
             </a:r>
             <a:endParaRPr lang="en-US" dirty="0"/>
@@ -837,7 +951,7 @@
           <a:p>
             <a:fld id="{740FF661-A8F3-4E28-B016-6C89E4A36D90}" type="datetimeFigureOut">
               <a:rPr lang="en-US" smtClean="0"/>
-              <a:t>2018-11-25</a:t>
+              <a:t>11/25/2018</a:t>
             </a:fld>
             <a:endParaRPr lang="en-US"/>
           </a:p>
@@ -942,7 +1056,7 @@
           </a:lstStyle>
           <a:p>
             <a:r>
-              <a:rPr lang="en-US" smtClean="0"/>
+              <a:rPr lang="en-US"/>
               <a:t>Click to edit Master title style</a:t>
             </a:r>
             <a:endParaRPr lang="en-US" dirty="0"/>
@@ -1065,7 +1179,7 @@
           <a:p>
             <a:pPr lvl="0"/>
             <a:r>
-              <a:rPr lang="en-US" smtClean="0"/>
+              <a:rPr lang="en-US"/>
               <a:t>Edit Master text styles</a:t>
             </a:r>
           </a:p>
@@ -1088,7 +1202,7 @@
           <a:p>
             <a:fld id="{740FF661-A8F3-4E28-B016-6C89E4A36D90}" type="datetimeFigureOut">
               <a:rPr lang="en-US" smtClean="0"/>
-              <a:t>2018-11-25</a:t>
+              <a:t>11/25/2018</a:t>
             </a:fld>
             <a:endParaRPr lang="en-US"/>
           </a:p>
@@ -1193,7 +1307,7 @@
           </a:lstStyle>
           <a:p>
             <a:r>
-              <a:rPr lang="en-US" smtClean="0"/>
+              <a:rPr lang="en-US"/>
               <a:t>Click to edit Master title style</a:t>
             </a:r>
             <a:endParaRPr lang="en-US" dirty="0"/>
@@ -1257,7 +1371,7 @@
           <a:p>
             <a:pPr lvl="0"/>
             <a:r>
-              <a:rPr lang="en-US" smtClean="0"/>
+              <a:rPr lang="en-US"/>
               <a:t>Edit Master text styles</a:t>
             </a:r>
           </a:p>
@@ -1379,7 +1493,7 @@
           <a:p>
             <a:pPr lvl="0"/>
             <a:r>
-              <a:rPr lang="en-US" smtClean="0"/>
+              <a:rPr lang="en-US"/>
               <a:t>Edit Master text styles</a:t>
             </a:r>
           </a:p>
@@ -1402,7 +1516,7 @@
           <a:p>
             <a:fld id="{740FF661-A8F3-4E28-B016-6C89E4A36D90}" type="datetimeFigureOut">
               <a:rPr lang="en-US" smtClean="0"/>
-              <a:t>2018-11-25</a:t>
+              <a:t>11/25/2018</a:t>
             </a:fld>
             <a:endParaRPr lang="en-US"/>
           </a:p>
@@ -1597,7 +1711,7 @@
           </a:lstStyle>
           <a:p>
             <a:r>
-              <a:rPr lang="en-US" smtClean="0"/>
+              <a:rPr lang="en-US"/>
               <a:t>Click to edit Master title style</a:t>
             </a:r>
             <a:endParaRPr lang="en-US" dirty="0"/>
@@ -1720,7 +1834,7 @@
           <a:p>
             <a:pPr lvl="0"/>
             <a:r>
-              <a:rPr lang="en-US" smtClean="0"/>
+              <a:rPr lang="en-US"/>
               <a:t>Edit Master text styles</a:t>
             </a:r>
           </a:p>
@@ -1743,7 +1857,7 @@
           <a:p>
             <a:fld id="{740FF661-A8F3-4E28-B016-6C89E4A36D90}" type="datetimeFigureOut">
               <a:rPr lang="en-US" smtClean="0"/>
-              <a:t>2018-11-25</a:t>
+              <a:t>11/25/2018</a:t>
             </a:fld>
             <a:endParaRPr lang="en-US"/>
           </a:p>
@@ -1848,7 +1962,7 @@
           </a:lstStyle>
           <a:p>
             <a:r>
-              <a:rPr lang="en-US" smtClean="0"/>
+              <a:rPr lang="en-US"/>
               <a:t>Click to edit Master title style</a:t>
             </a:r>
             <a:endParaRPr lang="en-US" dirty="0"/>
@@ -1912,7 +2026,7 @@
           <a:p>
             <a:pPr lvl="0"/>
             <a:r>
-              <a:rPr lang="en-US" smtClean="0"/>
+              <a:rPr lang="en-US"/>
               <a:t>Edit Master text styles</a:t>
             </a:r>
           </a:p>
@@ -2034,7 +2148,7 @@
           <a:p>
             <a:pPr lvl="0"/>
             <a:r>
-              <a:rPr lang="en-US" smtClean="0"/>
+              <a:rPr lang="en-US"/>
               <a:t>Edit Master text styles</a:t>
             </a:r>
           </a:p>
@@ -2057,7 +2171,7 @@
           <a:p>
             <a:fld id="{740FF661-A8F3-4E28-B016-6C89E4A36D90}" type="datetimeFigureOut">
               <a:rPr lang="en-US" smtClean="0"/>
-              <a:t>2018-11-25</a:t>
+              <a:t>11/25/2018</a:t>
             </a:fld>
             <a:endParaRPr lang="en-US"/>
           </a:p>
@@ -2244,7 +2358,7 @@
           </a:lstStyle>
           <a:p>
             <a:r>
-              <a:rPr lang="en-US" smtClean="0"/>
+              <a:rPr lang="en-US"/>
               <a:t>Click to edit Master title style</a:t>
             </a:r>
             <a:endParaRPr lang="en-US" dirty="0"/>
@@ -2305,7 +2419,7 @@
           <a:p>
             <a:pPr lvl="0"/>
             <a:r>
-              <a:rPr lang="en-US" smtClean="0"/>
+              <a:rPr lang="en-US"/>
               <a:t>Edit Master text styles</a:t>
             </a:r>
           </a:p>
@@ -2427,7 +2541,7 @@
           <a:p>
             <a:pPr lvl="0"/>
             <a:r>
-              <a:rPr lang="en-US" smtClean="0"/>
+              <a:rPr lang="en-US"/>
               <a:t>Edit Master text styles</a:t>
             </a:r>
           </a:p>
@@ -2450,7 +2564,7 @@
           <a:p>
             <a:fld id="{740FF661-A8F3-4E28-B016-6C89E4A36D90}" type="datetimeFigureOut">
               <a:rPr lang="en-US" smtClean="0"/>
-              <a:t>2018-11-25</a:t>
+              <a:t>11/25/2018</a:t>
             </a:fld>
             <a:endParaRPr lang="en-US"/>
           </a:p>
@@ -2544,7 +2658,7 @@
           <a:lstStyle/>
           <a:p>
             <a:r>
-              <a:rPr lang="en-US" smtClean="0"/>
+              <a:rPr lang="en-US"/>
               <a:t>Click to edit Master title style</a:t>
             </a:r>
             <a:endParaRPr lang="en-US" dirty="0"/>
@@ -2568,35 +2682,35 @@
           <a:p>
             <a:pPr lvl="0"/>
             <a:r>
-              <a:rPr lang="en-US" smtClean="0"/>
+              <a:rPr lang="en-US"/>
               <a:t>Edit Master text styles</a:t>
             </a:r>
           </a:p>
           <a:p>
             <a:pPr lvl="1"/>
             <a:r>
-              <a:rPr lang="en-US" smtClean="0"/>
+              <a:rPr lang="en-US"/>
               <a:t>Second level</a:t>
             </a:r>
           </a:p>
           <a:p>
             <a:pPr lvl="2"/>
             <a:r>
-              <a:rPr lang="en-US" smtClean="0"/>
+              <a:rPr lang="en-US"/>
               <a:t>Third level</a:t>
             </a:r>
           </a:p>
           <a:p>
             <a:pPr lvl="3"/>
             <a:r>
-              <a:rPr lang="en-US" smtClean="0"/>
+              <a:rPr lang="en-US"/>
               <a:t>Fourth level</a:t>
             </a:r>
           </a:p>
           <a:p>
             <a:pPr lvl="4"/>
             <a:r>
-              <a:rPr lang="en-US" smtClean="0"/>
+              <a:rPr lang="en-US"/>
               <a:t>Fifth level</a:t>
             </a:r>
             <a:endParaRPr lang="en-US" dirty="0"/>
@@ -2620,7 +2734,7 @@
           <a:p>
             <a:fld id="{740FF661-A8F3-4E28-B016-6C89E4A36D90}" type="datetimeFigureOut">
               <a:rPr lang="en-US" smtClean="0"/>
-              <a:t>2018-11-25</a:t>
+              <a:t>11/25/2018</a:t>
             </a:fld>
             <a:endParaRPr lang="en-US"/>
           </a:p>
@@ -2719,7 +2833,7 @@
           <a:lstStyle/>
           <a:p>
             <a:r>
-              <a:rPr lang="en-US" smtClean="0"/>
+              <a:rPr lang="en-US"/>
               <a:t>Click to edit Master title style</a:t>
             </a:r>
             <a:endParaRPr lang="en-US" dirty="0"/>
@@ -2748,35 +2862,35 @@
           <a:p>
             <a:pPr lvl="0"/>
             <a:r>
-              <a:rPr lang="en-US" smtClean="0"/>
+              <a:rPr lang="en-US"/>
               <a:t>Edit Master text styles</a:t>
             </a:r>
           </a:p>
           <a:p>
             <a:pPr lvl="1"/>
             <a:r>
-              <a:rPr lang="en-US" smtClean="0"/>
+              <a:rPr lang="en-US"/>
               <a:t>Second level</a:t>
             </a:r>
           </a:p>
           <a:p>
             <a:pPr lvl="2"/>
             <a:r>
-              <a:rPr lang="en-US" smtClean="0"/>
+              <a:rPr lang="en-US"/>
               <a:t>Third level</a:t>
             </a:r>
           </a:p>
           <a:p>
             <a:pPr lvl="3"/>
             <a:r>
-              <a:rPr lang="en-US" smtClean="0"/>
+              <a:rPr lang="en-US"/>
               <a:t>Fourth level</a:t>
             </a:r>
           </a:p>
           <a:p>
             <a:pPr lvl="4"/>
             <a:r>
-              <a:rPr lang="en-US" smtClean="0"/>
+              <a:rPr lang="en-US"/>
               <a:t>Fifth level</a:t>
             </a:r>
             <a:endParaRPr lang="en-US" dirty="0"/>
@@ -2800,7 +2914,7 @@
           <a:p>
             <a:fld id="{740FF661-A8F3-4E28-B016-6C89E4A36D90}" type="datetimeFigureOut">
               <a:rPr lang="en-US" smtClean="0"/>
-              <a:t>2018-11-25</a:t>
+              <a:t>11/25/2018</a:t>
             </a:fld>
             <a:endParaRPr lang="en-US"/>
           </a:p>
@@ -2900,7 +3014,7 @@
           </a:lstStyle>
           <a:p>
             <a:r>
-              <a:rPr lang="en-US" smtClean="0"/>
+              <a:rPr lang="en-US"/>
               <a:t>Click to edit Master title style</a:t>
             </a:r>
             <a:endParaRPr lang="en-US" dirty="0"/>
@@ -2924,35 +3038,35 @@
           <a:p>
             <a:pPr lvl="0"/>
             <a:r>
-              <a:rPr lang="en-US" smtClean="0"/>
+              <a:rPr lang="en-US"/>
               <a:t>Edit Master text styles</a:t>
             </a:r>
           </a:p>
           <a:p>
             <a:pPr lvl="1"/>
             <a:r>
-              <a:rPr lang="en-US" smtClean="0"/>
+              <a:rPr lang="en-US"/>
               <a:t>Second level</a:t>
             </a:r>
           </a:p>
           <a:p>
             <a:pPr lvl="2"/>
             <a:r>
-              <a:rPr lang="en-US" smtClean="0"/>
+              <a:rPr lang="en-US"/>
               <a:t>Third level</a:t>
             </a:r>
           </a:p>
           <a:p>
             <a:pPr lvl="3"/>
             <a:r>
-              <a:rPr lang="en-US" smtClean="0"/>
+              <a:rPr lang="en-US"/>
               <a:t>Fourth level</a:t>
             </a:r>
           </a:p>
           <a:p>
             <a:pPr lvl="4"/>
             <a:r>
-              <a:rPr lang="en-US" smtClean="0"/>
+              <a:rPr lang="en-US"/>
               <a:t>Fifth level</a:t>
             </a:r>
             <a:endParaRPr lang="en-US" dirty="0"/>
@@ -2976,7 +3090,7 @@
           <a:p>
             <a:fld id="{740FF661-A8F3-4E28-B016-6C89E4A36D90}" type="datetimeFigureOut">
               <a:rPr lang="en-US" smtClean="0"/>
-              <a:t>2018-11-25</a:t>
+              <a:t>11/25/2018</a:t>
             </a:fld>
             <a:endParaRPr lang="en-US"/>
           </a:p>
@@ -3079,7 +3193,7 @@
           </a:lstStyle>
           <a:p>
             <a:r>
-              <a:rPr lang="en-US" smtClean="0"/>
+              <a:rPr lang="en-US"/>
               <a:t>Click to edit Master title style</a:t>
             </a:r>
             <a:endParaRPr lang="en-US" dirty="0"/>
@@ -3200,7 +3314,7 @@
           <a:p>
             <a:pPr lvl="0"/>
             <a:r>
-              <a:rPr lang="en-US" smtClean="0"/>
+              <a:rPr lang="en-US"/>
               <a:t>Edit Master text styles</a:t>
             </a:r>
           </a:p>
@@ -3223,7 +3337,7 @@
           <a:p>
             <a:fld id="{740FF661-A8F3-4E28-B016-6C89E4A36D90}" type="datetimeFigureOut">
               <a:rPr lang="en-US" smtClean="0"/>
-              <a:t>2018-11-25</a:t>
+              <a:t>11/25/2018</a:t>
             </a:fld>
             <a:endParaRPr lang="en-US"/>
           </a:p>
@@ -3317,7 +3431,7 @@
           <a:lstStyle/>
           <a:p>
             <a:r>
-              <a:rPr lang="en-US" smtClean="0"/>
+              <a:rPr lang="en-US"/>
               <a:t>Click to edit Master title style</a:t>
             </a:r>
             <a:endParaRPr lang="en-US" dirty="0"/>
@@ -3346,35 +3460,35 @@
           <a:p>
             <a:pPr lvl="0"/>
             <a:r>
-              <a:rPr lang="en-US" smtClean="0"/>
+              <a:rPr lang="en-US"/>
               <a:t>Edit Master text styles</a:t>
             </a:r>
           </a:p>
           <a:p>
             <a:pPr lvl="1"/>
             <a:r>
-              <a:rPr lang="en-US" smtClean="0"/>
+              <a:rPr lang="en-US"/>
               <a:t>Second level</a:t>
             </a:r>
           </a:p>
           <a:p>
             <a:pPr lvl="2"/>
             <a:r>
-              <a:rPr lang="en-US" smtClean="0"/>
+              <a:rPr lang="en-US"/>
               <a:t>Third level</a:t>
             </a:r>
           </a:p>
           <a:p>
             <a:pPr lvl="3"/>
             <a:r>
-              <a:rPr lang="en-US" smtClean="0"/>
+              <a:rPr lang="en-US"/>
               <a:t>Fourth level</a:t>
             </a:r>
           </a:p>
           <a:p>
             <a:pPr lvl="4"/>
             <a:r>
-              <a:rPr lang="en-US" smtClean="0"/>
+              <a:rPr lang="en-US"/>
               <a:t>Fifth level</a:t>
             </a:r>
             <a:endParaRPr lang="en-US" dirty="0"/>
@@ -3403,35 +3517,35 @@
           <a:p>
             <a:pPr lvl="0"/>
             <a:r>
-              <a:rPr lang="en-US" smtClean="0"/>
+              <a:rPr lang="en-US"/>
               <a:t>Edit Master text styles</a:t>
             </a:r>
           </a:p>
           <a:p>
             <a:pPr lvl="1"/>
             <a:r>
-              <a:rPr lang="en-US" smtClean="0"/>
+              <a:rPr lang="en-US"/>
               <a:t>Second level</a:t>
             </a:r>
           </a:p>
           <a:p>
             <a:pPr lvl="2"/>
             <a:r>
-              <a:rPr lang="en-US" smtClean="0"/>
+              <a:rPr lang="en-US"/>
               <a:t>Third level</a:t>
             </a:r>
           </a:p>
           <a:p>
             <a:pPr lvl="3"/>
             <a:r>
-              <a:rPr lang="en-US" smtClean="0"/>
+              <a:rPr lang="en-US"/>
               <a:t>Fourth level</a:t>
             </a:r>
           </a:p>
           <a:p>
             <a:pPr lvl="4"/>
             <a:r>
-              <a:rPr lang="en-US" smtClean="0"/>
+              <a:rPr lang="en-US"/>
               <a:t>Fifth level</a:t>
             </a:r>
             <a:endParaRPr lang="en-US" dirty="0"/>
@@ -3455,7 +3569,7 @@
           <a:p>
             <a:fld id="{740FF661-A8F3-4E28-B016-6C89E4A36D90}" type="datetimeFigureOut">
               <a:rPr lang="en-US" smtClean="0"/>
-              <a:t>2018-11-25</a:t>
+              <a:t>11/25/2018</a:t>
             </a:fld>
             <a:endParaRPr lang="en-US"/>
           </a:p>
@@ -3553,7 +3667,7 @@
           </a:lstStyle>
           <a:p>
             <a:r>
-              <a:rPr lang="en-US" smtClean="0"/>
+              <a:rPr lang="en-US"/>
               <a:t>Click to edit Master title style</a:t>
             </a:r>
             <a:endParaRPr lang="en-US" dirty="0"/>
@@ -3621,7 +3735,7 @@
           <a:p>
             <a:pPr lvl="0"/>
             <a:r>
-              <a:rPr lang="en-US" smtClean="0"/>
+              <a:rPr lang="en-US"/>
               <a:t>Edit Master text styles</a:t>
             </a:r>
           </a:p>
@@ -3651,35 +3765,35 @@
           <a:p>
             <a:pPr lvl="0"/>
             <a:r>
-              <a:rPr lang="en-US" smtClean="0"/>
+              <a:rPr lang="en-US"/>
               <a:t>Edit Master text styles</a:t>
             </a:r>
           </a:p>
           <a:p>
             <a:pPr lvl="1"/>
             <a:r>
-              <a:rPr lang="en-US" smtClean="0"/>
+              <a:rPr lang="en-US"/>
               <a:t>Second level</a:t>
             </a:r>
           </a:p>
           <a:p>
             <a:pPr lvl="2"/>
             <a:r>
-              <a:rPr lang="en-US" smtClean="0"/>
+              <a:rPr lang="en-US"/>
               <a:t>Third level</a:t>
             </a:r>
           </a:p>
           <a:p>
             <a:pPr lvl="3"/>
             <a:r>
-              <a:rPr lang="en-US" smtClean="0"/>
+              <a:rPr lang="en-US"/>
               <a:t>Fourth level</a:t>
             </a:r>
           </a:p>
           <a:p>
             <a:pPr lvl="4"/>
             <a:r>
-              <a:rPr lang="en-US" smtClean="0"/>
+              <a:rPr lang="en-US"/>
               <a:t>Fifth level</a:t>
             </a:r>
             <a:endParaRPr lang="en-US" dirty="0"/>
@@ -3747,7 +3861,7 @@
           <a:p>
             <a:pPr lvl="0"/>
             <a:r>
-              <a:rPr lang="en-US" smtClean="0"/>
+              <a:rPr lang="en-US"/>
               <a:t>Edit Master text styles</a:t>
             </a:r>
           </a:p>
@@ -3777,35 +3891,35 @@
           <a:p>
             <a:pPr lvl="0"/>
             <a:r>
-              <a:rPr lang="en-US" smtClean="0"/>
+              <a:rPr lang="en-US"/>
               <a:t>Edit Master text styles</a:t>
             </a:r>
           </a:p>
           <a:p>
             <a:pPr lvl="1"/>
             <a:r>
-              <a:rPr lang="en-US" smtClean="0"/>
+              <a:rPr lang="en-US"/>
               <a:t>Second level</a:t>
             </a:r>
           </a:p>
           <a:p>
             <a:pPr lvl="2"/>
             <a:r>
-              <a:rPr lang="en-US" smtClean="0"/>
+              <a:rPr lang="en-US"/>
               <a:t>Third level</a:t>
             </a:r>
           </a:p>
           <a:p>
             <a:pPr lvl="3"/>
             <a:r>
-              <a:rPr lang="en-US" smtClean="0"/>
+              <a:rPr lang="en-US"/>
               <a:t>Fourth level</a:t>
             </a:r>
           </a:p>
           <a:p>
             <a:pPr lvl="4"/>
             <a:r>
-              <a:rPr lang="en-US" smtClean="0"/>
+              <a:rPr lang="en-US"/>
               <a:t>Fifth level</a:t>
             </a:r>
             <a:endParaRPr lang="en-US" dirty="0"/>
@@ -3829,7 +3943,7 @@
           <a:p>
             <a:fld id="{740FF661-A8F3-4E28-B016-6C89E4A36D90}" type="datetimeFigureOut">
               <a:rPr lang="en-US" smtClean="0"/>
-              <a:t>2018-11-25</a:t>
+              <a:t>11/25/2018</a:t>
             </a:fld>
             <a:endParaRPr lang="en-US"/>
           </a:p>
@@ -3928,7 +4042,7 @@
           <a:lstStyle/>
           <a:p>
             <a:r>
-              <a:rPr lang="en-US" smtClean="0"/>
+              <a:rPr lang="en-US"/>
               <a:t>Click to edit Master title style</a:t>
             </a:r>
             <a:endParaRPr lang="en-US" dirty="0"/>
@@ -3952,7 +4066,7 @@
           <a:p>
             <a:fld id="{740FF661-A8F3-4E28-B016-6C89E4A36D90}" type="datetimeFigureOut">
               <a:rPr lang="en-US" smtClean="0"/>
-              <a:t>2018-11-25</a:t>
+              <a:t>11/25/2018</a:t>
             </a:fld>
             <a:endParaRPr lang="en-US"/>
           </a:p>
@@ -4047,7 +4161,7 @@
           <a:p>
             <a:fld id="{740FF661-A8F3-4E28-B016-6C89E4A36D90}" type="datetimeFigureOut">
               <a:rPr lang="en-US" smtClean="0"/>
-              <a:t>2018-11-25</a:t>
+              <a:t>11/25/2018</a:t>
             </a:fld>
             <a:endParaRPr lang="en-US"/>
           </a:p>
@@ -4152,7 +4266,7 @@
           </a:lstStyle>
           <a:p>
             <a:r>
-              <a:rPr lang="en-US" smtClean="0"/>
+              <a:rPr lang="en-US"/>
               <a:t>Click to edit Master title style</a:t>
             </a:r>
             <a:endParaRPr lang="en-US" dirty="0"/>
@@ -4183,35 +4297,35 @@
           <a:p>
             <a:pPr lvl="0"/>
             <a:r>
-              <a:rPr lang="en-US" smtClean="0"/>
+              <a:rPr lang="en-US"/>
               <a:t>Edit Master text styles</a:t>
             </a:r>
           </a:p>
           <a:p>
             <a:pPr lvl="1"/>
             <a:r>
-              <a:rPr lang="en-US" smtClean="0"/>
+              <a:rPr lang="en-US"/>
               <a:t>Second level</a:t>
             </a:r>
           </a:p>
           <a:p>
             <a:pPr lvl="2"/>
             <a:r>
-              <a:rPr lang="en-US" smtClean="0"/>
+              <a:rPr lang="en-US"/>
               <a:t>Third level</a:t>
             </a:r>
           </a:p>
           <a:p>
             <a:pPr lvl="3"/>
             <a:r>
-              <a:rPr lang="en-US" smtClean="0"/>
+              <a:rPr lang="en-US"/>
               <a:t>Fourth level</a:t>
             </a:r>
           </a:p>
           <a:p>
             <a:pPr lvl="4"/>
             <a:r>
-              <a:rPr lang="en-US" smtClean="0"/>
+              <a:rPr lang="en-US"/>
               <a:t>Fifth level</a:t>
             </a:r>
             <a:endParaRPr lang="en-US" dirty="0"/>
@@ -4279,7 +4393,7 @@
           <a:p>
             <a:pPr lvl="0"/>
             <a:r>
-              <a:rPr lang="en-US" smtClean="0"/>
+              <a:rPr lang="en-US"/>
               <a:t>Edit Master text styles</a:t>
             </a:r>
           </a:p>
@@ -4302,7 +4416,7 @@
           <a:p>
             <a:fld id="{740FF661-A8F3-4E28-B016-6C89E4A36D90}" type="datetimeFigureOut">
               <a:rPr lang="en-US" smtClean="0"/>
-              <a:t>2018-11-25</a:t>
+              <a:t>11/25/2018</a:t>
             </a:fld>
             <a:endParaRPr lang="en-US"/>
           </a:p>
@@ -4407,7 +4521,7 @@
           </a:lstStyle>
           <a:p>
             <a:r>
-              <a:rPr lang="en-US" smtClean="0"/>
+              <a:rPr lang="en-US"/>
               <a:t>Click to edit Master title style</a:t>
             </a:r>
             <a:endParaRPr lang="en-US" dirty="0"/>
@@ -4474,7 +4588,7 @@
           </a:lstStyle>
           <a:p>
             <a:r>
-              <a:rPr lang="en-US" smtClean="0"/>
+              <a:rPr lang="en-US"/>
               <a:t>Click icon to add picture</a:t>
             </a:r>
             <a:endParaRPr lang="en-US" dirty="0"/>
@@ -4542,7 +4656,7 @@
           <a:p>
             <a:pPr lvl="0"/>
             <a:r>
-              <a:rPr lang="en-US" smtClean="0"/>
+              <a:rPr lang="en-US"/>
               <a:t>Edit Master text styles</a:t>
             </a:r>
           </a:p>
@@ -4565,7 +4679,7 @@
           <a:p>
             <a:fld id="{740FF661-A8F3-4E28-B016-6C89E4A36D90}" type="datetimeFigureOut">
               <a:rPr lang="en-US" smtClean="0"/>
-              <a:t>2018-11-25</a:t>
+              <a:t>11/25/2018</a:t>
             </a:fld>
             <a:endParaRPr lang="en-US"/>
           </a:p>
@@ -5204,7 +5318,7 @@
           <a:lstStyle/>
           <a:p>
             <a:r>
-              <a:rPr lang="en-US" smtClean="0"/>
+              <a:rPr lang="en-US"/>
               <a:t>Click to edit Master title style</a:t>
             </a:r>
             <a:endParaRPr lang="en-US" dirty="0"/>
@@ -5238,35 +5352,35 @@
           <a:p>
             <a:pPr lvl="0"/>
             <a:r>
-              <a:rPr lang="en-US" smtClean="0"/>
+              <a:rPr lang="en-US"/>
               <a:t>Edit Master text styles</a:t>
             </a:r>
           </a:p>
           <a:p>
             <a:pPr lvl="1"/>
             <a:r>
-              <a:rPr lang="en-US" smtClean="0"/>
+              <a:rPr lang="en-US"/>
               <a:t>Second level</a:t>
             </a:r>
           </a:p>
           <a:p>
             <a:pPr lvl="2"/>
             <a:r>
-              <a:rPr lang="en-US" smtClean="0"/>
+              <a:rPr lang="en-US"/>
               <a:t>Third level</a:t>
             </a:r>
           </a:p>
           <a:p>
             <a:pPr lvl="3"/>
             <a:r>
-              <a:rPr lang="en-US" smtClean="0"/>
+              <a:rPr lang="en-US"/>
               <a:t>Fourth level</a:t>
             </a:r>
           </a:p>
           <a:p>
             <a:pPr lvl="4"/>
             <a:r>
-              <a:rPr lang="en-US" smtClean="0"/>
+              <a:rPr lang="en-US"/>
               <a:t>Fifth level</a:t>
             </a:r>
             <a:endParaRPr lang="en-US" dirty="0"/>
@@ -5308,7 +5422,7 @@
           <a:p>
             <a:fld id="{740FF661-A8F3-4E28-B016-6C89E4A36D90}" type="datetimeFigureOut">
               <a:rPr lang="en-US" smtClean="0"/>
-              <a:t>2018-11-25</a:t>
+              <a:t>11/25/2018</a:t>
             </a:fld>
             <a:endParaRPr lang="en-US"/>
           </a:p>
@@ -5850,84 +5964,197 @@
           <a:lstStyle/>
           <a:p>
             <a:r>
-              <a:rPr lang="en-US" dirty="0" smtClean="0"/>
+              <a:rPr lang="en-US" dirty="0"/>
               <a:t>Predicting reservoir Sweet Spots with Machine Learning </a:t>
             </a:r>
+          </a:p>
+        </p:txBody>
+      </p:sp>
+      <p:sp>
+        <p:nvSpPr>
+          <p:cNvPr id="3" name="Content Placeholder 2"/>
+          <p:cNvSpPr>
+            <a:spLocks noGrp="1"/>
+          </p:cNvSpPr>
+          <p:nvPr>
+            <p:ph idx="1"/>
+          </p:nvPr>
+        </p:nvSpPr>
+        <p:spPr>
+          <a:xfrm>
+            <a:off x="677333" y="2160588"/>
+            <a:ext cx="9142075" cy="4198648"/>
+          </a:xfrm>
+        </p:spPr>
+        <p:txBody>
+          <a:bodyPr>
+            <a:normAutofit fontScale="92500" lnSpcReduction="20000"/>
+          </a:bodyPr>
+          <a:lstStyle/>
+          <a:p>
+            <a:r>
+              <a:rPr lang="en-US" b="1" dirty="0"/>
+              <a:t>Team members</a:t>
+            </a:r>
             <a:endParaRPr lang="en-US" dirty="0"/>
           </a:p>
-        </p:txBody>
-      </p:sp>
-      <p:sp>
-        <p:nvSpPr>
-          <p:cNvPr id="3" name="Content Placeholder 2"/>
-          <p:cNvSpPr>
-            <a:spLocks noGrp="1"/>
-          </p:cNvSpPr>
-          <p:nvPr>
-            <p:ph idx="1"/>
-          </p:nvPr>
-        </p:nvSpPr>
-        <p:spPr/>
-        <p:txBody>
-          <a:bodyPr>
-            <a:normAutofit lnSpcReduction="10000"/>
-          </a:bodyPr>
-          <a:lstStyle/>
-          <a:p>
-            <a:r>
-              <a:rPr lang="en-US" b="1" dirty="0" smtClean="0"/>
-              <a:t>Team </a:t>
-            </a:r>
-            <a:r>
-              <a:rPr lang="en-US" b="1" dirty="0"/>
-              <a:t>members</a:t>
+          <a:p>
+            <a:pPr marL="457200" lvl="1" indent="0">
+              <a:buNone/>
+            </a:pPr>
+            <a:r>
+              <a:rPr lang="en-US" dirty="0"/>
+              <a:t>Alan Wilson: </a:t>
+            </a:r>
+            <a:r>
+              <a:rPr lang="en-US" dirty="0">
+                <a:solidFill>
+                  <a:srgbClr val="006600"/>
+                </a:solidFill>
+              </a:rPr>
+              <a:t>geologist </a:t>
+            </a:r>
+            <a:r>
+              <a:rPr lang="en-US" dirty="0"/>
+              <a:t>(10 years)</a:t>
+            </a:r>
+          </a:p>
+          <a:p>
+            <a:pPr marL="457200" lvl="1" indent="0">
+              <a:buNone/>
+            </a:pPr>
+            <a:r>
+              <a:rPr lang="en-US" dirty="0"/>
+              <a:t>Geoff Chambers: </a:t>
+            </a:r>
+            <a:r>
+              <a:rPr lang="en-US" dirty="0">
+                <a:solidFill>
+                  <a:srgbClr val="FF3399"/>
+                </a:solidFill>
+              </a:rPr>
+              <a:t>data scientist</a:t>
+            </a:r>
+            <a:r>
+              <a:rPr lang="en-US" dirty="0"/>
+              <a:t> (6 months) + </a:t>
+            </a:r>
+            <a:r>
+              <a:rPr lang="en-US" dirty="0">
+                <a:solidFill>
+                  <a:srgbClr val="006600"/>
+                </a:solidFill>
+              </a:rPr>
+              <a:t>geophysicist</a:t>
+            </a:r>
+            <a:r>
+              <a:rPr lang="en-US" dirty="0"/>
+              <a:t> (9 years)</a:t>
+            </a:r>
+          </a:p>
+          <a:p>
+            <a:pPr marL="457200" lvl="1" indent="0">
+              <a:buNone/>
+            </a:pPr>
+            <a:r>
+              <a:rPr lang="en-US" dirty="0"/>
+              <a:t>Marco van der Linden: </a:t>
+            </a:r>
+            <a:r>
+              <a:rPr lang="en-US" dirty="0">
+                <a:solidFill>
+                  <a:srgbClr val="FF3399"/>
+                </a:solidFill>
+              </a:rPr>
+              <a:t>AI Engineer </a:t>
+            </a:r>
+            <a:r>
+              <a:rPr lang="en-US" dirty="0"/>
+              <a:t>(6 months)</a:t>
+            </a:r>
+            <a:r>
+              <a:rPr lang="en-US" dirty="0">
+                <a:solidFill>
+                  <a:srgbClr val="FF3399"/>
+                </a:solidFill>
+              </a:rPr>
+              <a:t> </a:t>
+            </a:r>
+            <a:r>
+              <a:rPr lang="en-US" dirty="0"/>
+              <a:t>+ </a:t>
+            </a:r>
+            <a:r>
+              <a:rPr lang="en-US" dirty="0">
+                <a:solidFill>
+                  <a:srgbClr val="FF3399"/>
+                </a:solidFill>
+              </a:rPr>
+              <a:t>Sr. Software Engineer</a:t>
+            </a:r>
+            <a:r>
+              <a:rPr lang="en-US" dirty="0"/>
+              <a:t> (20 years) </a:t>
+            </a:r>
+          </a:p>
+          <a:p>
+            <a:pPr marL="457200" lvl="1" indent="0">
+              <a:buNone/>
+            </a:pPr>
+            <a:r>
+              <a:rPr lang="en-US" dirty="0"/>
+              <a:t>Maxim </a:t>
+            </a:r>
+            <a:r>
+              <a:rPr lang="en-US" dirty="0" err="1"/>
+              <a:t>Kotenev</a:t>
+            </a:r>
+            <a:r>
+              <a:rPr lang="en-US" dirty="0"/>
+              <a:t>: </a:t>
+            </a:r>
+            <a:r>
+              <a:rPr lang="en-US" dirty="0">
+                <a:solidFill>
+                  <a:srgbClr val="006600"/>
+                </a:solidFill>
+              </a:rPr>
+              <a:t>development geologist </a:t>
+            </a:r>
+            <a:r>
+              <a:rPr lang="en-US" dirty="0">
+                <a:solidFill>
+                  <a:schemeClr val="tx1"/>
+                </a:solidFill>
+              </a:rPr>
+              <a:t>(8 years)</a:t>
+            </a:r>
+          </a:p>
+          <a:p>
+            <a:pPr marL="457200" lvl="1" indent="0">
+              <a:buNone/>
+            </a:pPr>
+            <a:r>
+              <a:rPr lang="en-US" dirty="0"/>
+              <a:t>Rowan Haddad: </a:t>
+            </a:r>
+            <a:r>
+              <a:rPr lang="en-US" dirty="0">
+                <a:solidFill>
+                  <a:srgbClr val="006600"/>
+                </a:solidFill>
+              </a:rPr>
+              <a:t>Reservoir Engineer </a:t>
+            </a:r>
+            <a:r>
+              <a:rPr lang="en-US" dirty="0">
+                <a:solidFill>
+                  <a:schemeClr val="tx1"/>
+                </a:solidFill>
+              </a:rPr>
+              <a:t>(8 years)</a:t>
             </a:r>
             <a:endParaRPr lang="en-US" dirty="0"/>
-          </a:p>
-          <a:p>
-            <a:pPr marL="457200" lvl="1" indent="0">
-              <a:buNone/>
-            </a:pPr>
-            <a:r>
-              <a:rPr lang="en-US" dirty="0"/>
-              <a:t>Alan Wilson</a:t>
-            </a:r>
-          </a:p>
-          <a:p>
-            <a:pPr marL="457200" lvl="1" indent="0">
-              <a:buNone/>
-            </a:pPr>
-            <a:r>
-              <a:rPr lang="en-US" dirty="0"/>
-              <a:t>Geoff Chambers</a:t>
-            </a:r>
-          </a:p>
-          <a:p>
-            <a:pPr marL="457200" lvl="1" indent="0">
-              <a:buNone/>
-            </a:pPr>
-            <a:r>
-              <a:rPr lang="en-US" dirty="0"/>
-              <a:t>Marco van der Linden</a:t>
-            </a:r>
-          </a:p>
-          <a:p>
-            <a:pPr marL="457200" lvl="1" indent="0">
-              <a:buNone/>
-            </a:pPr>
-            <a:r>
-              <a:rPr lang="en-US" dirty="0"/>
-              <a:t>Maxim Kotenev</a:t>
-            </a:r>
-          </a:p>
-          <a:p>
-            <a:pPr marL="457200" lvl="1" indent="0">
-              <a:buNone/>
-            </a:pPr>
-            <a:r>
-              <a:rPr lang="en-US" dirty="0"/>
-              <a:t>Rowan Haddad</a:t>
-            </a:r>
           </a:p>
           <a:p>
             <a:r>
@@ -5938,51 +6165,60 @@
           <a:p>
             <a:pPr lvl="1"/>
             <a:r>
-              <a:rPr lang="en-US" dirty="0" smtClean="0"/>
-              <a:t>Training data= “Features” incorporated are net reservoir maps and thickness maps</a:t>
+              <a:rPr lang="en-US" dirty="0"/>
+              <a:t>Dataset= </a:t>
+            </a:r>
+            <a:r>
+              <a:rPr lang="en-US" dirty="0" err="1"/>
+              <a:t>Gullfaks</a:t>
+            </a:r>
+            <a:r>
+              <a:rPr lang="en-US" dirty="0"/>
+              <a:t> Petrel reservoir model</a:t>
             </a:r>
           </a:p>
           <a:p>
             <a:pPr lvl="1"/>
             <a:r>
-              <a:rPr lang="en-US" dirty="0" smtClean="0"/>
-              <a:t>Machine learning algorithm= Gaussian </a:t>
-            </a:r>
-            <a:r>
               <a:rPr lang="en-US" dirty="0"/>
-              <a:t>Naive </a:t>
-            </a:r>
-            <a:r>
-              <a:rPr lang="en-US" dirty="0" smtClean="0"/>
-              <a:t>Bayes (</a:t>
-            </a:r>
+              <a:t>Input features= suite of reservoir property maps (thickness, NTG, etc.)</a:t>
+            </a:r>
+          </a:p>
+          <a:p>
+            <a:pPr lvl="1"/>
             <a:r>
               <a:rPr lang="en-US" dirty="0"/>
-              <a:t>Classification</a:t>
-            </a:r>
-            <a:r>
-              <a:rPr lang="en-US" dirty="0" smtClean="0"/>
-              <a:t>)</a:t>
+              <a:t>Machine learning algorithm= Gaussian Naive Bayes (Classification)</a:t>
             </a:r>
           </a:p>
           <a:p>
             <a:pPr lvl="1"/>
             <a:r>
-              <a:rPr lang="en-US" dirty="0" smtClean="0"/>
-              <a:t>Validation on base case derived from Petrel</a:t>
+              <a:rPr lang="en-US" dirty="0"/>
+              <a:t>Training &amp; validation data= sweet spot maps manually created in Petrel</a:t>
             </a:r>
           </a:p>
           <a:p>
             <a:pPr lvl="1"/>
             <a:r>
-              <a:rPr lang="en-US" dirty="0" smtClean="0"/>
-              <a:t>Further predictions with uncertainty indication on multiple </a:t>
-            </a:r>
-            <a:r>
-              <a:rPr lang="en-US" dirty="0" err="1" smtClean="0"/>
+              <a:rPr lang="en-US" dirty="0"/>
+              <a:t>Use ML model to predict sweet spots for many </a:t>
+            </a:r>
+            <a:r>
+              <a:rPr lang="en-US" dirty="0" err="1"/>
               <a:t>realisations</a:t>
             </a:r>
-            <a:endParaRPr lang="en-US" dirty="0"/>
+            <a:r>
+              <a:rPr lang="en-US" dirty="0"/>
+              <a:t> of input maps</a:t>
+            </a:r>
+          </a:p>
+          <a:p>
+            <a:pPr lvl="2"/>
+            <a:r>
+              <a:rPr lang="en-US" dirty="0"/>
+              <a:t>Communicate most-likely and uncertainty estimates for sweet spots</a:t>
+            </a:r>
           </a:p>
         </p:txBody>
       </p:sp>
@@ -6032,7 +6268,7 @@
         </p:blipFill>
         <p:spPr>
           <a:xfrm>
-            <a:off x="327169" y="812405"/>
+            <a:off x="327169" y="1060021"/>
             <a:ext cx="2888167" cy="4489985"/>
           </a:xfrm>
           <a:prstGeom prst="rect">
@@ -6056,7 +6292,7 @@
         </p:blipFill>
         <p:spPr>
           <a:xfrm>
-            <a:off x="3408283" y="812405"/>
+            <a:off x="3408283" y="1060021"/>
             <a:ext cx="3075045" cy="4489986"/>
           </a:xfrm>
           <a:prstGeom prst="rect">
@@ -6080,7 +6316,7 @@
         </p:blipFill>
         <p:spPr>
           <a:xfrm>
-            <a:off x="6676275" y="812405"/>
+            <a:off x="6676275" y="1060021"/>
             <a:ext cx="3072691" cy="4422326"/>
           </a:xfrm>
           <a:prstGeom prst="rect">
@@ -6156,10 +6392,9 @@
           <a:lstStyle/>
           <a:p>
             <a:r>
-              <a:rPr lang="en-US" dirty="0" smtClean="0"/>
+              <a:rPr lang="en-US" dirty="0"/>
               <a:t>Predict sweet spots for well Locations</a:t>
             </a:r>
-            <a:endParaRPr lang="en-US" dirty="0"/>
           </a:p>
         </p:txBody>
       </p:sp>
@@ -6172,7 +6407,7 @@
         <p:spPr>
           <a:xfrm>
             <a:off x="327169" y="5545671"/>
-            <a:ext cx="9076889" cy="923330"/>
+            <a:ext cx="9076889" cy="1200329"/>
           </a:xfrm>
           <a:prstGeom prst="rect">
             <a:avLst/>
@@ -6190,8 +6425,8 @@
               <a:buChar char="-"/>
             </a:pPr>
             <a:r>
-              <a:rPr lang="en-US" dirty="0" smtClean="0"/>
-              <a:t>Net &amp; average maps for reservoir properties</a:t>
+              <a:rPr lang="en-US" dirty="0"/>
+              <a:t>Net &amp; average maps for reservoir properties (porosity, permeability, net/gross)</a:t>
             </a:r>
           </a:p>
           <a:p>
@@ -6200,7 +6435,7 @@
               <a:buChar char="-"/>
             </a:pPr>
             <a:r>
-              <a:rPr lang="en-US" dirty="0" smtClean="0"/>
+              <a:rPr lang="en-US" dirty="0"/>
               <a:t>Thickness map</a:t>
             </a:r>
           </a:p>
@@ -6210,10 +6445,9 @@
               <a:buChar char="-"/>
             </a:pPr>
             <a:r>
-              <a:rPr lang="en-US" dirty="0" smtClean="0"/>
+              <a:rPr lang="en-US" dirty="0"/>
               <a:t>Combine to find sweet spots: Manually vs. Machine learning- prediction and validation</a:t>
             </a:r>
-            <a:endParaRPr lang="en-US" dirty="0"/>
           </a:p>
         </p:txBody>
       </p:sp>
@@ -6240,10 +6474,50 @@
           <a:lstStyle/>
           <a:p>
             <a:r>
-              <a:rPr lang="en-US" sz="3200" dirty="0" smtClean="0"/>
+              <a:rPr lang="en-US" sz="3200" dirty="0"/>
               <a:t>Predicting reservoir Sweet Spots with Machine Learning </a:t>
             </a:r>
-            <a:endParaRPr lang="en-US" sz="3200" dirty="0"/>
+          </a:p>
+        </p:txBody>
+      </p:sp>
+      <p:sp>
+        <p:nvSpPr>
+          <p:cNvPr id="14" name="TextBox 13">
+            <a:extLst>
+              <a:ext uri="{FF2B5EF4-FFF2-40B4-BE49-F238E27FC236}">
+                <a16:creationId xmlns:a16="http://schemas.microsoft.com/office/drawing/2014/main" id="{42243601-6BA3-4F39-9F78-11658218FB48}"/>
+              </a:ext>
+            </a:extLst>
+          </p:cNvPr>
+          <p:cNvSpPr txBox="1"/>
+          <p:nvPr/>
+        </p:nvSpPr>
+        <p:spPr>
+          <a:xfrm rot="10800000" flipH="1" flipV="1">
+            <a:off x="2510660" y="1092099"/>
+            <a:ext cx="4846103" cy="369332"/>
+          </a:xfrm>
+          <a:prstGeom prst="rect">
+            <a:avLst/>
+          </a:prstGeom>
+          <a:solidFill>
+            <a:schemeClr val="accent1">
+              <a:lumMod val="20000"/>
+              <a:lumOff val="80000"/>
+            </a:schemeClr>
+          </a:solidFill>
+        </p:spPr>
+        <p:txBody>
+          <a:bodyPr wrap="square" rtlCol="0">
+            <a:spAutoFit/>
+          </a:bodyPr>
+          <a:lstStyle/>
+          <a:p>
+            <a:pPr algn="ctr"/>
+            <a:r>
+              <a:rPr lang="en-US" dirty="0"/>
+              <a:t>Suite of reservoir property maps …</a:t>
+            </a:r>
           </a:p>
         </p:txBody>
       </p:sp>
@@ -6293,10 +6567,9 @@
           <a:lstStyle/>
           <a:p>
             <a:r>
-              <a:rPr lang="en-US" dirty="0" smtClean="0"/>
+              <a:rPr lang="en-US" dirty="0"/>
               <a:t>Petrel Workflow</a:t>
             </a:r>
-            <a:endParaRPr lang="en-US" dirty="0"/>
           </a:p>
         </p:txBody>
       </p:sp>
@@ -6316,54 +6589,54 @@
           <a:lstStyle/>
           <a:p>
             <a:r>
-              <a:rPr lang="en-US" dirty="0" smtClean="0"/>
+              <a:rPr lang="en-US" dirty="0"/>
               <a:t>Filtering based on some criteria:</a:t>
             </a:r>
           </a:p>
           <a:p>
             <a:pPr lvl="1"/>
             <a:r>
-              <a:rPr lang="en-US" dirty="0" smtClean="0"/>
+              <a:rPr lang="en-US" dirty="0"/>
               <a:t>NTG (</a:t>
             </a:r>
             <a:r>
-              <a:rPr lang="en-US" dirty="0" err="1" smtClean="0"/>
+              <a:rPr lang="en-US" dirty="0" err="1"/>
               <a:t>facies</a:t>
             </a:r>
             <a:r>
-              <a:rPr lang="en-US" dirty="0" smtClean="0"/>
+              <a:rPr lang="en-US" dirty="0"/>
               <a:t>)</a:t>
             </a:r>
           </a:p>
           <a:p>
             <a:pPr lvl="1"/>
             <a:r>
-              <a:rPr lang="en-US" dirty="0" smtClean="0"/>
+              <a:rPr lang="en-US" dirty="0"/>
               <a:t>Porosity&amp; Perm (For quality)</a:t>
             </a:r>
           </a:p>
           <a:p>
             <a:pPr lvl="1"/>
             <a:r>
-              <a:rPr lang="en-US" dirty="0" smtClean="0"/>
+              <a:rPr lang="en-US" dirty="0"/>
               <a:t>Net reservoir (above contact)</a:t>
             </a:r>
           </a:p>
           <a:p>
             <a:pPr lvl="1"/>
             <a:r>
-              <a:rPr lang="en-US" dirty="0" smtClean="0"/>
+              <a:rPr lang="en-US" dirty="0"/>
               <a:t>Thickness (hydrocarbon Column)</a:t>
             </a:r>
           </a:p>
           <a:p>
             <a:pPr lvl="1"/>
             <a:r>
-              <a:rPr lang="en-US" dirty="0" smtClean="0"/>
+              <a:rPr lang="en-US" dirty="0"/>
               <a:t>Find sweet spots </a:t>
             </a:r>
             <a:r>
-              <a:rPr lang="en-US" dirty="0" smtClean="0">
+              <a:rPr lang="en-US" dirty="0">
                 <a:sym typeface="Wingdings" panose="05000000000000000000" pitchFamily="2" charset="2"/>
               </a:rPr>
               <a:t> classified 0,1</a:t>
@@ -6403,8 +6676,8 @@
         </p:nvSpPr>
         <p:spPr>
           <a:xfrm>
-            <a:off x="1963024" y="4899171"/>
-            <a:ext cx="5310231" cy="369332"/>
+            <a:off x="1215736" y="4746484"/>
+            <a:ext cx="6057519" cy="1477328"/>
           </a:xfrm>
           <a:prstGeom prst="rect">
             <a:avLst/>
@@ -6418,10 +6691,26 @@
           <a:lstStyle/>
           <a:p>
             <a:r>
-              <a:rPr lang="en-US" dirty="0" smtClean="0"/>
-              <a:t>This is what we will also try to predict with ML</a:t>
-            </a:r>
+              <a:rPr lang="en-US" dirty="0"/>
+              <a:t>Sweet spot map generated manually for base case properties, forming the training data for ML</a:t>
+            </a:r>
+          </a:p>
+          <a:p>
             <a:endParaRPr lang="en-US" dirty="0"/>
+          </a:p>
+          <a:p>
+            <a:r>
+              <a:rPr lang="en-US" dirty="0"/>
+              <a:t>ML predicts a sweet spot map for multiple </a:t>
+            </a:r>
+            <a:r>
+              <a:rPr lang="en-US" dirty="0" err="1"/>
+              <a:t>realisations</a:t>
+            </a:r>
+            <a:r>
+              <a:rPr lang="en-US" dirty="0"/>
+              <a:t> of new property maps</a:t>
+            </a:r>
           </a:p>
         </p:txBody>
       </p:sp>
@@ -6471,50 +6760,54 @@
           <a:lstStyle/>
           <a:p>
             <a:r>
-              <a:rPr lang="en-US" dirty="0" smtClean="0"/>
+              <a:rPr lang="en-US" dirty="0"/>
               <a:t>Machine learning- results</a:t>
             </a:r>
+          </a:p>
+        </p:txBody>
+      </p:sp>
+      <p:sp>
+        <p:nvSpPr>
+          <p:cNvPr id="3" name="Content Placeholder 2"/>
+          <p:cNvSpPr>
+            <a:spLocks noGrp="1"/>
+          </p:cNvSpPr>
+          <p:nvPr>
+            <p:ph idx="1"/>
+          </p:nvPr>
+        </p:nvSpPr>
+        <p:spPr/>
+        <p:txBody>
+          <a:bodyPr/>
+          <a:lstStyle/>
+          <a:p>
+            <a:r>
+              <a:rPr lang="en-US" dirty="0" err="1"/>
+              <a:t>Jupyter</a:t>
+            </a:r>
+            <a:r>
+              <a:rPr lang="en-US" dirty="0"/>
+              <a:t> notebooks</a:t>
+            </a:r>
+          </a:p>
+          <a:p>
+            <a:pPr lvl="1"/>
+            <a:r>
+              <a:rPr lang="en-US" dirty="0"/>
+              <a:t>Product output: Interactive display of results across </a:t>
+            </a:r>
+            <a:r>
+              <a:rPr lang="en-US" dirty="0" err="1"/>
+              <a:t>realisations</a:t>
+            </a:r>
             <a:endParaRPr lang="en-US" dirty="0"/>
           </a:p>
-        </p:txBody>
-      </p:sp>
-      <p:sp>
-        <p:nvSpPr>
-          <p:cNvPr id="3" name="Content Placeholder 2"/>
-          <p:cNvSpPr>
-            <a:spLocks noGrp="1"/>
-          </p:cNvSpPr>
-          <p:nvPr>
-            <p:ph idx="1"/>
-          </p:nvPr>
-        </p:nvSpPr>
-        <p:spPr/>
-        <p:txBody>
-          <a:bodyPr/>
-          <a:lstStyle/>
-          <a:p>
-            <a:r>
-              <a:rPr lang="en-US" dirty="0" smtClean="0"/>
-              <a:t>Base case and multi </a:t>
-            </a:r>
-            <a:r>
-              <a:rPr lang="en-US" dirty="0" err="1" smtClean="0"/>
-              <a:t>realisations</a:t>
-            </a:r>
-            <a:r>
-              <a:rPr lang="en-US" dirty="0" smtClean="0"/>
-              <a:t> </a:t>
-            </a:r>
-          </a:p>
-          <a:p>
-            <a:endParaRPr lang="en-US" dirty="0"/>
-          </a:p>
-          <a:p>
-            <a:r>
-              <a:rPr lang="en-US" dirty="0" smtClean="0"/>
-              <a:t>Add stuff here!!</a:t>
-            </a:r>
-            <a:endParaRPr lang="en-US" dirty="0"/>
+          <a:p>
+            <a:pPr lvl="1"/>
+            <a:r>
+              <a:rPr lang="en-US" dirty="0"/>
+              <a:t>Validation test: compare prediction to new manually interpreted sweet spot map</a:t>
+            </a:r>
           </a:p>
         </p:txBody>
       </p:sp>

--- a/Introduction.pptx
+++ b/Introduction.pptx
@@ -9,6 +9,7 @@
     <p:sldId id="257" r:id="rId3"/>
     <p:sldId id="258" r:id="rId4"/>
     <p:sldId id="260" r:id="rId5"/>
+    <p:sldId id="261" r:id="rId6"/>
   </p:sldIdLst>
   <p:sldSz cx="12192000" cy="6858000"/>
   <p:notesSz cx="6858000" cy="9144000"/>
@@ -951,7 +952,7 @@
           <a:p>
             <a:fld id="{740FF661-A8F3-4E28-B016-6C89E4A36D90}" type="datetimeFigureOut">
               <a:rPr lang="en-US" smtClean="0"/>
-              <a:t>11/25/2018</a:t>
+              <a:t>2018-11-25</a:t>
             </a:fld>
             <a:endParaRPr lang="en-US"/>
           </a:p>
@@ -1202,7 +1203,7 @@
           <a:p>
             <a:fld id="{740FF661-A8F3-4E28-B016-6C89E4A36D90}" type="datetimeFigureOut">
               <a:rPr lang="en-US" smtClean="0"/>
-              <a:t>11/25/2018</a:t>
+              <a:t>2018-11-25</a:t>
             </a:fld>
             <a:endParaRPr lang="en-US"/>
           </a:p>
@@ -1516,7 +1517,7 @@
           <a:p>
             <a:fld id="{740FF661-A8F3-4E28-B016-6C89E4A36D90}" type="datetimeFigureOut">
               <a:rPr lang="en-US" smtClean="0"/>
-              <a:t>11/25/2018</a:t>
+              <a:t>2018-11-25</a:t>
             </a:fld>
             <a:endParaRPr lang="en-US"/>
           </a:p>
@@ -1857,7 +1858,7 @@
           <a:p>
             <a:fld id="{740FF661-A8F3-4E28-B016-6C89E4A36D90}" type="datetimeFigureOut">
               <a:rPr lang="en-US" smtClean="0"/>
-              <a:t>11/25/2018</a:t>
+              <a:t>2018-11-25</a:t>
             </a:fld>
             <a:endParaRPr lang="en-US"/>
           </a:p>
@@ -2171,7 +2172,7 @@
           <a:p>
             <a:fld id="{740FF661-A8F3-4E28-B016-6C89E4A36D90}" type="datetimeFigureOut">
               <a:rPr lang="en-US" smtClean="0"/>
-              <a:t>11/25/2018</a:t>
+              <a:t>2018-11-25</a:t>
             </a:fld>
             <a:endParaRPr lang="en-US"/>
           </a:p>
@@ -2564,7 +2565,7 @@
           <a:p>
             <a:fld id="{740FF661-A8F3-4E28-B016-6C89E4A36D90}" type="datetimeFigureOut">
               <a:rPr lang="en-US" smtClean="0"/>
-              <a:t>11/25/2018</a:t>
+              <a:t>2018-11-25</a:t>
             </a:fld>
             <a:endParaRPr lang="en-US"/>
           </a:p>
@@ -2734,7 +2735,7 @@
           <a:p>
             <a:fld id="{740FF661-A8F3-4E28-B016-6C89E4A36D90}" type="datetimeFigureOut">
               <a:rPr lang="en-US" smtClean="0"/>
-              <a:t>11/25/2018</a:t>
+              <a:t>2018-11-25</a:t>
             </a:fld>
             <a:endParaRPr lang="en-US"/>
           </a:p>
@@ -2914,7 +2915,7 @@
           <a:p>
             <a:fld id="{740FF661-A8F3-4E28-B016-6C89E4A36D90}" type="datetimeFigureOut">
               <a:rPr lang="en-US" smtClean="0"/>
-              <a:t>11/25/2018</a:t>
+              <a:t>2018-11-25</a:t>
             </a:fld>
             <a:endParaRPr lang="en-US"/>
           </a:p>
@@ -3090,7 +3091,7 @@
           <a:p>
             <a:fld id="{740FF661-A8F3-4E28-B016-6C89E4A36D90}" type="datetimeFigureOut">
               <a:rPr lang="en-US" smtClean="0"/>
-              <a:t>11/25/2018</a:t>
+              <a:t>2018-11-25</a:t>
             </a:fld>
             <a:endParaRPr lang="en-US"/>
           </a:p>
@@ -3337,7 +3338,7 @@
           <a:p>
             <a:fld id="{740FF661-A8F3-4E28-B016-6C89E4A36D90}" type="datetimeFigureOut">
               <a:rPr lang="en-US" smtClean="0"/>
-              <a:t>11/25/2018</a:t>
+              <a:t>2018-11-25</a:t>
             </a:fld>
             <a:endParaRPr lang="en-US"/>
           </a:p>
@@ -3569,7 +3570,7 @@
           <a:p>
             <a:fld id="{740FF661-A8F3-4E28-B016-6C89E4A36D90}" type="datetimeFigureOut">
               <a:rPr lang="en-US" smtClean="0"/>
-              <a:t>11/25/2018</a:t>
+              <a:t>2018-11-25</a:t>
             </a:fld>
             <a:endParaRPr lang="en-US"/>
           </a:p>
@@ -3943,7 +3944,7 @@
           <a:p>
             <a:fld id="{740FF661-A8F3-4E28-B016-6C89E4A36D90}" type="datetimeFigureOut">
               <a:rPr lang="en-US" smtClean="0"/>
-              <a:t>11/25/2018</a:t>
+              <a:t>2018-11-25</a:t>
             </a:fld>
             <a:endParaRPr lang="en-US"/>
           </a:p>
@@ -4066,7 +4067,7 @@
           <a:p>
             <a:fld id="{740FF661-A8F3-4E28-B016-6C89E4A36D90}" type="datetimeFigureOut">
               <a:rPr lang="en-US" smtClean="0"/>
-              <a:t>11/25/2018</a:t>
+              <a:t>2018-11-25</a:t>
             </a:fld>
             <a:endParaRPr lang="en-US"/>
           </a:p>
@@ -4161,7 +4162,7 @@
           <a:p>
             <a:fld id="{740FF661-A8F3-4E28-B016-6C89E4A36D90}" type="datetimeFigureOut">
               <a:rPr lang="en-US" smtClean="0"/>
-              <a:t>11/25/2018</a:t>
+              <a:t>2018-11-25</a:t>
             </a:fld>
             <a:endParaRPr lang="en-US"/>
           </a:p>
@@ -4416,7 +4417,7 @@
           <a:p>
             <a:fld id="{740FF661-A8F3-4E28-B016-6C89E4A36D90}" type="datetimeFigureOut">
               <a:rPr lang="en-US" smtClean="0"/>
-              <a:t>11/25/2018</a:t>
+              <a:t>2018-11-25</a:t>
             </a:fld>
             <a:endParaRPr lang="en-US"/>
           </a:p>
@@ -4679,7 +4680,7 @@
           <a:p>
             <a:fld id="{740FF661-A8F3-4E28-B016-6C89E4A36D90}" type="datetimeFigureOut">
               <a:rPr lang="en-US" smtClean="0"/>
-              <a:t>11/25/2018</a:t>
+              <a:t>2018-11-25</a:t>
             </a:fld>
             <a:endParaRPr lang="en-US"/>
           </a:p>
@@ -5422,7 +5423,7 @@
           <a:p>
             <a:fld id="{740FF661-A8F3-4E28-B016-6C89E4A36D90}" type="datetimeFigureOut">
               <a:rPr lang="en-US" smtClean="0"/>
-              <a:t>11/25/2018</a:t>
+              <a:t>2018-11-25</a:t>
             </a:fld>
             <a:endParaRPr lang="en-US"/>
           </a:p>
@@ -6824,6 +6825,152 @@
 </p:sld>
 </file>
 
+<file path=ppt/slides/slide5.xml><?xml version="1.0" encoding="utf-8"?>
+<p:sld xmlns:a="http://schemas.openxmlformats.org/drawingml/2006/main" xmlns:r="http://schemas.openxmlformats.org/officeDocument/2006/relationships" xmlns:p="http://schemas.openxmlformats.org/presentationml/2006/main">
+  <p:cSld>
+    <p:spTree>
+      <p:nvGrpSpPr>
+        <p:cNvPr id="1" name=""/>
+        <p:cNvGrpSpPr/>
+        <p:nvPr/>
+      </p:nvGrpSpPr>
+      <p:grpSpPr>
+        <a:xfrm>
+          <a:off x="0" y="0"/>
+          <a:ext cx="0" cy="0"/>
+          <a:chOff x="0" y="0"/>
+          <a:chExt cx="0" cy="0"/>
+        </a:xfrm>
+      </p:grpSpPr>
+      <p:sp>
+        <p:nvSpPr>
+          <p:cNvPr id="2" name="Title 1"/>
+          <p:cNvSpPr>
+            <a:spLocks noGrp="1"/>
+          </p:cNvSpPr>
+          <p:nvPr>
+            <p:ph type="title"/>
+          </p:nvPr>
+        </p:nvSpPr>
+        <p:spPr/>
+        <p:txBody>
+          <a:bodyPr/>
+          <a:lstStyle/>
+          <a:p>
+            <a:r>
+              <a:rPr lang="en-US" dirty="0" smtClean="0"/>
+              <a:t>Results &amp; Next steps</a:t>
+            </a:r>
+            <a:endParaRPr lang="en-US" dirty="0"/>
+          </a:p>
+        </p:txBody>
+      </p:sp>
+      <p:pic>
+        <p:nvPicPr>
+          <p:cNvPr id="4" name="Picture 3"/>
+          <p:cNvPicPr>
+            <a:picLocks noChangeAspect="1"/>
+          </p:cNvPicPr>
+          <p:nvPr/>
+        </p:nvPicPr>
+        <p:blipFill>
+          <a:blip r:embed="rId2"/>
+          <a:stretch>
+            <a:fillRect/>
+          </a:stretch>
+        </p:blipFill>
+        <p:spPr>
+          <a:xfrm>
+            <a:off x="2647950" y="3387723"/>
+            <a:ext cx="6626052" cy="3437729"/>
+          </a:xfrm>
+          <a:prstGeom prst="rect">
+            <a:avLst/>
+          </a:prstGeom>
+        </p:spPr>
+      </p:pic>
+      <p:sp>
+        <p:nvSpPr>
+          <p:cNvPr id="3" name="Content Placeholder 2"/>
+          <p:cNvSpPr>
+            <a:spLocks noGrp="1"/>
+          </p:cNvSpPr>
+          <p:nvPr>
+            <p:ph idx="1"/>
+          </p:nvPr>
+        </p:nvSpPr>
+        <p:spPr>
+          <a:xfrm>
+            <a:off x="591609" y="1270000"/>
+            <a:ext cx="8596668" cy="3880773"/>
+          </a:xfrm>
+        </p:spPr>
+        <p:txBody>
+          <a:bodyPr/>
+          <a:lstStyle/>
+          <a:p>
+            <a:r>
+              <a:rPr lang="en-US" dirty="0" smtClean="0"/>
+              <a:t>Current model performance: ROC/AUC Score 0.75 and F1 Score 0.52</a:t>
+            </a:r>
+          </a:p>
+          <a:p>
+            <a:endParaRPr lang="en-US" dirty="0"/>
+          </a:p>
+          <a:p>
+            <a:r>
+              <a:rPr lang="en-US" dirty="0" smtClean="0"/>
+              <a:t>Improving the performance of the ML model</a:t>
+            </a:r>
+          </a:p>
+          <a:p>
+            <a:pPr lvl="1"/>
+            <a:r>
+              <a:rPr lang="en-US" dirty="0" smtClean="0"/>
+              <a:t>Acquire data from different fields as additional training data</a:t>
+            </a:r>
+          </a:p>
+          <a:p>
+            <a:pPr lvl="1"/>
+            <a:r>
+              <a:rPr lang="en-US" dirty="0" smtClean="0"/>
+              <a:t>Switch to Deep Learning: Convolutional </a:t>
+            </a:r>
+            <a:r>
+              <a:rPr lang="en-US" dirty="0"/>
+              <a:t>Neural Networks to improve </a:t>
+            </a:r>
+            <a:r>
+              <a:rPr lang="en-US" dirty="0" smtClean="0"/>
+              <a:t>performance</a:t>
+            </a:r>
+          </a:p>
+          <a:p>
+            <a:pPr lvl="1"/>
+            <a:r>
+              <a:rPr lang="en-US" dirty="0" smtClean="0"/>
+              <a:t>Feature Engineering</a:t>
+            </a:r>
+            <a:br>
+              <a:rPr lang="en-US" dirty="0" smtClean="0"/>
+            </a:br>
+            <a:endParaRPr lang="en-US" i="1" dirty="0"/>
+          </a:p>
+        </p:txBody>
+      </p:sp>
+    </p:spTree>
+    <p:extLst>
+      <p:ext uri="{BB962C8B-B14F-4D97-AF65-F5344CB8AC3E}">
+        <p14:creationId xmlns:p14="http://schemas.microsoft.com/office/powerpoint/2010/main" val="1613877447"/>
+      </p:ext>
+    </p:extLst>
+  </p:cSld>
+  <p:clrMapOvr>
+    <a:masterClrMapping/>
+  </p:clrMapOvr>
+</p:sld>
+</file>
+
 <file path=ppt/theme/theme1.xml><?xml version="1.0" encoding="utf-8"?>
 <a:theme xmlns:a="http://schemas.openxmlformats.org/drawingml/2006/main" name="Facet">
   <a:themeElements>

--- a/Introduction.pptx
+++ b/Introduction.pptx
@@ -129,7 +129,7 @@
   <pc:docChgLst>
     <pc:chgData name="Geoffrey Chambers" userId="60ce0cddda231f84" providerId="LiveId" clId="{09758DA6-C54C-43E7-BBCF-4258CF3C469B}"/>
     <pc:docChg chg="undo custSel modSld">
-      <pc:chgData name="Geoffrey Chambers" userId="60ce0cddda231f84" providerId="LiveId" clId="{09758DA6-C54C-43E7-BBCF-4258CF3C469B}" dt="2018-11-25T13:49:15.488" v="922" actId="1035"/>
+      <pc:chgData name="Geoffrey Chambers" userId="60ce0cddda231f84" providerId="LiveId" clId="{09758DA6-C54C-43E7-BBCF-4258CF3C469B}" dt="2018-11-25T14:16:33.110" v="926" actId="20577"/>
       <pc:docMkLst>
         <pc:docMk/>
       </pc:docMkLst>
@@ -211,11 +211,19 @@
         </pc:spChg>
       </pc:sldChg>
       <pc:sldChg chg="modSp">
-        <pc:chgData name="Geoffrey Chambers" userId="60ce0cddda231f84" providerId="LiveId" clId="{09758DA6-C54C-43E7-BBCF-4258CF3C469B}" dt="2018-11-25T13:46:41.581" v="845" actId="20577"/>
+        <pc:chgData name="Geoffrey Chambers" userId="60ce0cddda231f84" providerId="LiveId" clId="{09758DA6-C54C-43E7-BBCF-4258CF3C469B}" dt="2018-11-25T14:16:33.110" v="926" actId="20577"/>
         <pc:sldMkLst>
           <pc:docMk/>
           <pc:sldMk cId="45027736" sldId="260"/>
         </pc:sldMkLst>
+        <pc:spChg chg="mod">
+          <ac:chgData name="Geoffrey Chambers" userId="60ce0cddda231f84" providerId="LiveId" clId="{09758DA6-C54C-43E7-BBCF-4258CF3C469B}" dt="2018-11-25T14:16:33.110" v="926" actId="20577"/>
+          <ac:spMkLst>
+            <pc:docMk/>
+            <pc:sldMk cId="45027736" sldId="260"/>
+            <ac:spMk id="2" creationId="{00000000-0000-0000-0000-000000000000}"/>
+          </ac:spMkLst>
+        </pc:spChg>
         <pc:spChg chg="mod">
           <ac:chgData name="Geoffrey Chambers" userId="60ce0cddda231f84" providerId="LiveId" clId="{09758DA6-C54C-43E7-BBCF-4258CF3C469B}" dt="2018-11-25T13:46:41.581" v="845" actId="20577"/>
           <ac:spMkLst>
@@ -952,7 +960,7 @@
           <a:p>
             <a:fld id="{740FF661-A8F3-4E28-B016-6C89E4A36D90}" type="datetimeFigureOut">
               <a:rPr lang="en-US" smtClean="0"/>
-              <a:t>2018-11-25</a:t>
+              <a:t>11/25/2018</a:t>
             </a:fld>
             <a:endParaRPr lang="en-US"/>
           </a:p>
@@ -1203,7 +1211,7 @@
           <a:p>
             <a:fld id="{740FF661-A8F3-4E28-B016-6C89E4A36D90}" type="datetimeFigureOut">
               <a:rPr lang="en-US" smtClean="0"/>
-              <a:t>2018-11-25</a:t>
+              <a:t>11/25/2018</a:t>
             </a:fld>
             <a:endParaRPr lang="en-US"/>
           </a:p>
@@ -1517,7 +1525,7 @@
           <a:p>
             <a:fld id="{740FF661-A8F3-4E28-B016-6C89E4A36D90}" type="datetimeFigureOut">
               <a:rPr lang="en-US" smtClean="0"/>
-              <a:t>2018-11-25</a:t>
+              <a:t>11/25/2018</a:t>
             </a:fld>
             <a:endParaRPr lang="en-US"/>
           </a:p>
@@ -1858,7 +1866,7 @@
           <a:p>
             <a:fld id="{740FF661-A8F3-4E28-B016-6C89E4A36D90}" type="datetimeFigureOut">
               <a:rPr lang="en-US" smtClean="0"/>
-              <a:t>2018-11-25</a:t>
+              <a:t>11/25/2018</a:t>
             </a:fld>
             <a:endParaRPr lang="en-US"/>
           </a:p>
@@ -2172,7 +2180,7 @@
           <a:p>
             <a:fld id="{740FF661-A8F3-4E28-B016-6C89E4A36D90}" type="datetimeFigureOut">
               <a:rPr lang="en-US" smtClean="0"/>
-              <a:t>2018-11-25</a:t>
+              <a:t>11/25/2018</a:t>
             </a:fld>
             <a:endParaRPr lang="en-US"/>
           </a:p>
@@ -2565,7 +2573,7 @@
           <a:p>
             <a:fld id="{740FF661-A8F3-4E28-B016-6C89E4A36D90}" type="datetimeFigureOut">
               <a:rPr lang="en-US" smtClean="0"/>
-              <a:t>2018-11-25</a:t>
+              <a:t>11/25/2018</a:t>
             </a:fld>
             <a:endParaRPr lang="en-US"/>
           </a:p>
@@ -2735,7 +2743,7 @@
           <a:p>
             <a:fld id="{740FF661-A8F3-4E28-B016-6C89E4A36D90}" type="datetimeFigureOut">
               <a:rPr lang="en-US" smtClean="0"/>
-              <a:t>2018-11-25</a:t>
+              <a:t>11/25/2018</a:t>
             </a:fld>
             <a:endParaRPr lang="en-US"/>
           </a:p>
@@ -2915,7 +2923,7 @@
           <a:p>
             <a:fld id="{740FF661-A8F3-4E28-B016-6C89E4A36D90}" type="datetimeFigureOut">
               <a:rPr lang="en-US" smtClean="0"/>
-              <a:t>2018-11-25</a:t>
+              <a:t>11/25/2018</a:t>
             </a:fld>
             <a:endParaRPr lang="en-US"/>
           </a:p>
@@ -3091,7 +3099,7 @@
           <a:p>
             <a:fld id="{740FF661-A8F3-4E28-B016-6C89E4A36D90}" type="datetimeFigureOut">
               <a:rPr lang="en-US" smtClean="0"/>
-              <a:t>2018-11-25</a:t>
+              <a:t>11/25/2018</a:t>
             </a:fld>
             <a:endParaRPr lang="en-US"/>
           </a:p>
@@ -3338,7 +3346,7 @@
           <a:p>
             <a:fld id="{740FF661-A8F3-4E28-B016-6C89E4A36D90}" type="datetimeFigureOut">
               <a:rPr lang="en-US" smtClean="0"/>
-              <a:t>2018-11-25</a:t>
+              <a:t>11/25/2018</a:t>
             </a:fld>
             <a:endParaRPr lang="en-US"/>
           </a:p>
@@ -3570,7 +3578,7 @@
           <a:p>
             <a:fld id="{740FF661-A8F3-4E28-B016-6C89E4A36D90}" type="datetimeFigureOut">
               <a:rPr lang="en-US" smtClean="0"/>
-              <a:t>2018-11-25</a:t>
+              <a:t>11/25/2018</a:t>
             </a:fld>
             <a:endParaRPr lang="en-US"/>
           </a:p>
@@ -3944,7 +3952,7 @@
           <a:p>
             <a:fld id="{740FF661-A8F3-4E28-B016-6C89E4A36D90}" type="datetimeFigureOut">
               <a:rPr lang="en-US" smtClean="0"/>
-              <a:t>2018-11-25</a:t>
+              <a:t>11/25/2018</a:t>
             </a:fld>
             <a:endParaRPr lang="en-US"/>
           </a:p>
@@ -4067,7 +4075,7 @@
           <a:p>
             <a:fld id="{740FF661-A8F3-4E28-B016-6C89E4A36D90}" type="datetimeFigureOut">
               <a:rPr lang="en-US" smtClean="0"/>
-              <a:t>2018-11-25</a:t>
+              <a:t>11/25/2018</a:t>
             </a:fld>
             <a:endParaRPr lang="en-US"/>
           </a:p>
@@ -4162,7 +4170,7 @@
           <a:p>
             <a:fld id="{740FF661-A8F3-4E28-B016-6C89E4A36D90}" type="datetimeFigureOut">
               <a:rPr lang="en-US" smtClean="0"/>
-              <a:t>2018-11-25</a:t>
+              <a:t>11/25/2018</a:t>
             </a:fld>
             <a:endParaRPr lang="en-US"/>
           </a:p>
@@ -4417,7 +4425,7 @@
           <a:p>
             <a:fld id="{740FF661-A8F3-4E28-B016-6C89E4A36D90}" type="datetimeFigureOut">
               <a:rPr lang="en-US" smtClean="0"/>
-              <a:t>2018-11-25</a:t>
+              <a:t>11/25/2018</a:t>
             </a:fld>
             <a:endParaRPr lang="en-US"/>
           </a:p>
@@ -4680,7 +4688,7 @@
           <a:p>
             <a:fld id="{740FF661-A8F3-4E28-B016-6C89E4A36D90}" type="datetimeFigureOut">
               <a:rPr lang="en-US" smtClean="0"/>
-              <a:t>2018-11-25</a:t>
+              <a:t>11/25/2018</a:t>
             </a:fld>
             <a:endParaRPr lang="en-US"/>
           </a:p>
@@ -5423,7 +5431,7 @@
           <a:p>
             <a:fld id="{740FF661-A8F3-4E28-B016-6C89E4A36D90}" type="datetimeFigureOut">
               <a:rPr lang="en-US" smtClean="0"/>
-              <a:t>2018-11-25</a:t>
+              <a:t>11/25/2018</a:t>
             </a:fld>
             <a:endParaRPr lang="en-US"/>
           </a:p>
@@ -6762,8 +6770,13 @@
           <a:p>
             <a:r>
               <a:rPr lang="en-US" dirty="0"/>
-              <a:t>Machine learning- results</a:t>
-            </a:r>
+              <a:t>Machine </a:t>
+            </a:r>
+            <a:r>
+              <a:rPr lang="en-US"/>
+              <a:t>learning- demo</a:t>
+            </a:r>
+            <a:endParaRPr lang="en-US" dirty="0"/>
           </a:p>
         </p:txBody>
       </p:sp>
@@ -6858,10 +6871,9 @@
           <a:lstStyle/>
           <a:p>
             <a:r>
-              <a:rPr lang="en-US" dirty="0" smtClean="0"/>
+              <a:rPr lang="en-US" dirty="0"/>
               <a:t>Results &amp; Next steps</a:t>
             </a:r>
-            <a:endParaRPr lang="en-US" dirty="0"/>
           </a:p>
         </p:txBody>
       </p:sp>
@@ -6910,7 +6922,7 @@
           <a:lstStyle/>
           <a:p>
             <a:r>
-              <a:rPr lang="en-US" dirty="0" smtClean="0"/>
+              <a:rPr lang="en-US" dirty="0"/>
               <a:t>Current model performance: ROC/AUC Score 0.75 and F1 Score 0.52</a:t>
             </a:r>
           </a:p>
@@ -6919,40 +6931,32 @@
           </a:p>
           <a:p>
             <a:r>
-              <a:rPr lang="en-US" dirty="0" smtClean="0"/>
+              <a:rPr lang="en-US" dirty="0"/>
               <a:t>Improving the performance of the ML model</a:t>
             </a:r>
           </a:p>
           <a:p>
             <a:pPr lvl="1"/>
             <a:r>
-              <a:rPr lang="en-US" dirty="0" smtClean="0"/>
+              <a:rPr lang="en-US" dirty="0"/>
               <a:t>Acquire data from different fields as additional training data</a:t>
             </a:r>
           </a:p>
           <a:p>
             <a:pPr lvl="1"/>
             <a:r>
-              <a:rPr lang="en-US" dirty="0" smtClean="0"/>
-              <a:t>Switch to Deep Learning: Convolutional </a:t>
-            </a:r>
-            <a:r>
               <a:rPr lang="en-US" dirty="0"/>
-              <a:t>Neural Networks to improve </a:t>
-            </a:r>
-            <a:r>
-              <a:rPr lang="en-US" dirty="0" smtClean="0"/>
-              <a:t>performance</a:t>
+              <a:t>Switch to Deep Learning: Convolutional Neural Networks to improve performance</a:t>
             </a:r>
           </a:p>
           <a:p>
             <a:pPr lvl="1"/>
             <a:r>
-              <a:rPr lang="en-US" dirty="0" smtClean="0"/>
+              <a:rPr lang="en-US" dirty="0"/>
               <a:t>Feature Engineering</a:t>
             </a:r>
             <a:br>
-              <a:rPr lang="en-US" dirty="0" smtClean="0"/>
+              <a:rPr lang="en-US" dirty="0"/>
             </a:br>
             <a:endParaRPr lang="en-US" i="1" dirty="0"/>
           </a:p>

--- a/Introduction.pptx
+++ b/Introduction.pptx
@@ -129,7 +129,7 @@
   <pc:docChgLst>
     <pc:chgData name="Geoffrey Chambers" userId="60ce0cddda231f84" providerId="LiveId" clId="{09758DA6-C54C-43E7-BBCF-4258CF3C469B}"/>
     <pc:docChg chg="undo custSel modSld">
-      <pc:chgData name="Geoffrey Chambers" userId="60ce0cddda231f84" providerId="LiveId" clId="{09758DA6-C54C-43E7-BBCF-4258CF3C469B}" dt="2018-11-25T14:16:33.110" v="926" actId="20577"/>
+      <pc:chgData name="Geoffrey Chambers" userId="60ce0cddda231f84" providerId="LiveId" clId="{09758DA6-C54C-43E7-BBCF-4258CF3C469B}" dt="2018-11-25T14:18:58.022" v="927" actId="14100"/>
       <pc:docMkLst>
         <pc:docMk/>
       </pc:docMkLst>
@@ -229,6 +229,21 @@
           <ac:spMkLst>
             <pc:docMk/>
             <pc:sldMk cId="45027736" sldId="260"/>
+            <ac:spMk id="3" creationId="{00000000-0000-0000-0000-000000000000}"/>
+          </ac:spMkLst>
+        </pc:spChg>
+      </pc:sldChg>
+      <pc:sldChg chg="modSp">
+        <pc:chgData name="Geoffrey Chambers" userId="60ce0cddda231f84" providerId="LiveId" clId="{09758DA6-C54C-43E7-BBCF-4258CF3C469B}" dt="2018-11-25T14:18:58.022" v="927" actId="14100"/>
+        <pc:sldMkLst>
+          <pc:docMk/>
+          <pc:sldMk cId="1613877447" sldId="261"/>
+        </pc:sldMkLst>
+        <pc:spChg chg="mod">
+          <ac:chgData name="Geoffrey Chambers" userId="60ce0cddda231f84" providerId="LiveId" clId="{09758DA6-C54C-43E7-BBCF-4258CF3C469B}" dt="2018-11-25T14:18:58.022" v="927" actId="14100"/>
+          <ac:spMkLst>
+            <pc:docMk/>
+            <pc:sldMk cId="1613877447" sldId="261"/>
             <ac:spMk id="3" creationId="{00000000-0000-0000-0000-000000000000}"/>
           </ac:spMkLst>
         </pc:spChg>
@@ -6914,7 +6929,7 @@
         <p:spPr>
           <a:xfrm>
             <a:off x="591609" y="1270000"/>
-            <a:ext cx="8596668" cy="3880773"/>
+            <a:ext cx="8596668" cy="3437729"/>
           </a:xfrm>
         </p:spPr>
         <p:txBody>

--- a/Introduction.pptx
+++ b/Introduction.pptx
@@ -129,7 +129,7 @@
   <pc:docChgLst>
     <pc:chgData name="Geoffrey Chambers" userId="60ce0cddda231f84" providerId="LiveId" clId="{09758DA6-C54C-43E7-BBCF-4258CF3C469B}"/>
     <pc:docChg chg="undo custSel modSld">
-      <pc:chgData name="Geoffrey Chambers" userId="60ce0cddda231f84" providerId="LiveId" clId="{09758DA6-C54C-43E7-BBCF-4258CF3C469B}" dt="2018-11-25T14:18:58.022" v="927" actId="14100"/>
+      <pc:chgData name="Geoffrey Chambers" userId="60ce0cddda231f84" providerId="LiveId" clId="{09758DA6-C54C-43E7-BBCF-4258CF3C469B}" dt="2018-11-25T14:31:52.370" v="931" actId="1035"/>
       <pc:docMkLst>
         <pc:docMk/>
       </pc:docMkLst>
@@ -196,13 +196,13 @@
         </pc:spChg>
       </pc:sldChg>
       <pc:sldChg chg="modSp">
-        <pc:chgData name="Geoffrey Chambers" userId="60ce0cddda231f84" providerId="LiveId" clId="{09758DA6-C54C-43E7-BBCF-4258CF3C469B}" dt="2018-11-25T13:45:20.387" v="757" actId="207"/>
+        <pc:chgData name="Geoffrey Chambers" userId="60ce0cddda231f84" providerId="LiveId" clId="{09758DA6-C54C-43E7-BBCF-4258CF3C469B}" dt="2018-11-25T14:31:52.370" v="931" actId="1035"/>
         <pc:sldMkLst>
           <pc:docMk/>
           <pc:sldMk cId="2085666245" sldId="259"/>
         </pc:sldMkLst>
         <pc:spChg chg="mod">
-          <ac:chgData name="Geoffrey Chambers" userId="60ce0cddda231f84" providerId="LiveId" clId="{09758DA6-C54C-43E7-BBCF-4258CF3C469B}" dt="2018-11-25T13:45:20.387" v="757" actId="207"/>
+          <ac:chgData name="Geoffrey Chambers" userId="60ce0cddda231f84" providerId="LiveId" clId="{09758DA6-C54C-43E7-BBCF-4258CF3C469B}" dt="2018-11-25T14:31:52.370" v="931" actId="1035"/>
           <ac:spMkLst>
             <pc:docMk/>
             <pc:sldMk cId="2085666245" sldId="259"/>
@@ -6006,13 +6006,13 @@
         </p:nvSpPr>
         <p:spPr>
           <a:xfrm>
-            <a:off x="677333" y="2160588"/>
+            <a:off x="677333" y="2142832"/>
             <a:ext cx="9142075" cy="4198648"/>
           </a:xfrm>
         </p:spPr>
         <p:txBody>
           <a:bodyPr>
-            <a:normAutofit fontScale="92500" lnSpcReduction="20000"/>
+            <a:normAutofit fontScale="85000" lnSpcReduction="20000"/>
           </a:bodyPr>
           <a:lstStyle/>
           <a:p>
@@ -6178,6 +6178,11 @@
               </a:rPr>
               <a:t>(8 years)</a:t>
             </a:r>
+          </a:p>
+          <a:p>
+            <a:pPr marL="457200" lvl="1" indent="0">
+              <a:buNone/>
+            </a:pPr>
             <a:endParaRPr lang="en-US" dirty="0"/>
           </a:p>
           <a:p>

--- a/Introduction.pptx
+++ b/Introduction.pptx
@@ -6,10 +6,9 @@
   </p:sldMasterIdLst>
   <p:sldIdLst>
     <p:sldId id="259" r:id="rId2"/>
-    <p:sldId id="257" r:id="rId3"/>
-    <p:sldId id="258" r:id="rId4"/>
-    <p:sldId id="260" r:id="rId5"/>
-    <p:sldId id="261" r:id="rId6"/>
+    <p:sldId id="258" r:id="rId3"/>
+    <p:sldId id="260" r:id="rId4"/>
+    <p:sldId id="261" r:id="rId5"/>
   </p:sldIdLst>
   <p:sldSz cx="12192000" cy="6858000"/>
   <p:notesSz cx="6858000" cy="9144000"/>
@@ -975,7 +974,7 @@
           <a:p>
             <a:fld id="{740FF661-A8F3-4E28-B016-6C89E4A36D90}" type="datetimeFigureOut">
               <a:rPr lang="en-US" smtClean="0"/>
-              <a:t>11/25/2018</a:t>
+              <a:t>2018-11-25</a:t>
             </a:fld>
             <a:endParaRPr lang="en-US"/>
           </a:p>
@@ -1226,7 +1225,7 @@
           <a:p>
             <a:fld id="{740FF661-A8F3-4E28-B016-6C89E4A36D90}" type="datetimeFigureOut">
               <a:rPr lang="en-US" smtClean="0"/>
-              <a:t>11/25/2018</a:t>
+              <a:t>2018-11-25</a:t>
             </a:fld>
             <a:endParaRPr lang="en-US"/>
           </a:p>
@@ -1540,7 +1539,7 @@
           <a:p>
             <a:fld id="{740FF661-A8F3-4E28-B016-6C89E4A36D90}" type="datetimeFigureOut">
               <a:rPr lang="en-US" smtClean="0"/>
-              <a:t>11/25/2018</a:t>
+              <a:t>2018-11-25</a:t>
             </a:fld>
             <a:endParaRPr lang="en-US"/>
           </a:p>
@@ -1881,7 +1880,7 @@
           <a:p>
             <a:fld id="{740FF661-A8F3-4E28-B016-6C89E4A36D90}" type="datetimeFigureOut">
               <a:rPr lang="en-US" smtClean="0"/>
-              <a:t>11/25/2018</a:t>
+              <a:t>2018-11-25</a:t>
             </a:fld>
             <a:endParaRPr lang="en-US"/>
           </a:p>
@@ -2195,7 +2194,7 @@
           <a:p>
             <a:fld id="{740FF661-A8F3-4E28-B016-6C89E4A36D90}" type="datetimeFigureOut">
               <a:rPr lang="en-US" smtClean="0"/>
-              <a:t>11/25/2018</a:t>
+              <a:t>2018-11-25</a:t>
             </a:fld>
             <a:endParaRPr lang="en-US"/>
           </a:p>
@@ -2588,7 +2587,7 @@
           <a:p>
             <a:fld id="{740FF661-A8F3-4E28-B016-6C89E4A36D90}" type="datetimeFigureOut">
               <a:rPr lang="en-US" smtClean="0"/>
-              <a:t>11/25/2018</a:t>
+              <a:t>2018-11-25</a:t>
             </a:fld>
             <a:endParaRPr lang="en-US"/>
           </a:p>
@@ -2758,7 +2757,7 @@
           <a:p>
             <a:fld id="{740FF661-A8F3-4E28-B016-6C89E4A36D90}" type="datetimeFigureOut">
               <a:rPr lang="en-US" smtClean="0"/>
-              <a:t>11/25/2018</a:t>
+              <a:t>2018-11-25</a:t>
             </a:fld>
             <a:endParaRPr lang="en-US"/>
           </a:p>
@@ -2938,7 +2937,7 @@
           <a:p>
             <a:fld id="{740FF661-A8F3-4E28-B016-6C89E4A36D90}" type="datetimeFigureOut">
               <a:rPr lang="en-US" smtClean="0"/>
-              <a:t>11/25/2018</a:t>
+              <a:t>2018-11-25</a:t>
             </a:fld>
             <a:endParaRPr lang="en-US"/>
           </a:p>
@@ -3114,7 +3113,7 @@
           <a:p>
             <a:fld id="{740FF661-A8F3-4E28-B016-6C89E4A36D90}" type="datetimeFigureOut">
               <a:rPr lang="en-US" smtClean="0"/>
-              <a:t>11/25/2018</a:t>
+              <a:t>2018-11-25</a:t>
             </a:fld>
             <a:endParaRPr lang="en-US"/>
           </a:p>
@@ -3361,7 +3360,7 @@
           <a:p>
             <a:fld id="{740FF661-A8F3-4E28-B016-6C89E4A36D90}" type="datetimeFigureOut">
               <a:rPr lang="en-US" smtClean="0"/>
-              <a:t>11/25/2018</a:t>
+              <a:t>2018-11-25</a:t>
             </a:fld>
             <a:endParaRPr lang="en-US"/>
           </a:p>
@@ -3593,7 +3592,7 @@
           <a:p>
             <a:fld id="{740FF661-A8F3-4E28-B016-6C89E4A36D90}" type="datetimeFigureOut">
               <a:rPr lang="en-US" smtClean="0"/>
-              <a:t>11/25/2018</a:t>
+              <a:t>2018-11-25</a:t>
             </a:fld>
             <a:endParaRPr lang="en-US"/>
           </a:p>
@@ -3967,7 +3966,7 @@
           <a:p>
             <a:fld id="{740FF661-A8F3-4E28-B016-6C89E4A36D90}" type="datetimeFigureOut">
               <a:rPr lang="en-US" smtClean="0"/>
-              <a:t>11/25/2018</a:t>
+              <a:t>2018-11-25</a:t>
             </a:fld>
             <a:endParaRPr lang="en-US"/>
           </a:p>
@@ -4090,7 +4089,7 @@
           <a:p>
             <a:fld id="{740FF661-A8F3-4E28-B016-6C89E4A36D90}" type="datetimeFigureOut">
               <a:rPr lang="en-US" smtClean="0"/>
-              <a:t>11/25/2018</a:t>
+              <a:t>2018-11-25</a:t>
             </a:fld>
             <a:endParaRPr lang="en-US"/>
           </a:p>
@@ -4185,7 +4184,7 @@
           <a:p>
             <a:fld id="{740FF661-A8F3-4E28-B016-6C89E4A36D90}" type="datetimeFigureOut">
               <a:rPr lang="en-US" smtClean="0"/>
-              <a:t>11/25/2018</a:t>
+              <a:t>2018-11-25</a:t>
             </a:fld>
             <a:endParaRPr lang="en-US"/>
           </a:p>
@@ -4440,7 +4439,7 @@
           <a:p>
             <a:fld id="{740FF661-A8F3-4E28-B016-6C89E4A36D90}" type="datetimeFigureOut">
               <a:rPr lang="en-US" smtClean="0"/>
-              <a:t>11/25/2018</a:t>
+              <a:t>2018-11-25</a:t>
             </a:fld>
             <a:endParaRPr lang="en-US"/>
           </a:p>
@@ -4703,7 +4702,7 @@
           <a:p>
             <a:fld id="{740FF661-A8F3-4E28-B016-6C89E4A36D90}" type="datetimeFigureOut">
               <a:rPr lang="en-US" smtClean="0"/>
-              <a:t>11/25/2018</a:t>
+              <a:t>2018-11-25</a:t>
             </a:fld>
             <a:endParaRPr lang="en-US"/>
           </a:p>
@@ -5446,7 +5445,7 @@
           <a:p>
             <a:fld id="{740FF661-A8F3-4E28-B016-6C89E4A36D90}" type="datetimeFigureOut">
               <a:rPr lang="en-US" smtClean="0"/>
-              <a:t>11/25/2018</a:t>
+              <a:t>2018-11-25</a:t>
             </a:fld>
             <a:endParaRPr lang="en-US"/>
           </a:p>
@@ -5980,7 +5979,12 @@
             <p:ph type="title"/>
           </p:nvPr>
         </p:nvSpPr>
-        <p:spPr/>
+        <p:spPr>
+          <a:xfrm>
+            <a:off x="477829" y="385157"/>
+            <a:ext cx="10711102" cy="1320800"/>
+          </a:xfrm>
+        </p:spPr>
         <p:txBody>
           <a:bodyPr>
             <a:normAutofit/>
@@ -5988,9 +5992,49 @@
           <a:lstStyle/>
           <a:p>
             <a:r>
-              <a:rPr lang="en-US" dirty="0"/>
+              <a:rPr lang="en-US" sz="2800" dirty="0" smtClean="0"/>
               <a:t>Predicting reservoir Sweet Spots with Machine Learning </a:t>
             </a:r>
+            <a:br>
+              <a:rPr lang="en-US" sz="2800" dirty="0" smtClean="0"/>
+            </a:br>
+            <a:r>
+              <a:rPr lang="en-US" sz="2800" dirty="0" err="1" smtClean="0">
+                <a:solidFill>
+                  <a:schemeClr val="accent2">
+                    <a:lumMod val="75000"/>
+                  </a:schemeClr>
+                </a:solidFill>
+              </a:rPr>
+              <a:t>SweetSpot</a:t>
+            </a:r>
+            <a:r>
+              <a:rPr lang="en-US" sz="2800" dirty="0" smtClean="0">
+                <a:solidFill>
+                  <a:schemeClr val="accent2">
+                    <a:lumMod val="75000"/>
+                  </a:schemeClr>
+                </a:solidFill>
+              </a:rPr>
+              <a:t> </a:t>
+            </a:r>
+            <a:r>
+              <a:rPr lang="en-US" sz="2800" dirty="0" err="1" smtClean="0">
+                <a:solidFill>
+                  <a:schemeClr val="accent2">
+                    <a:lumMod val="75000"/>
+                  </a:schemeClr>
+                </a:solidFill>
+              </a:rPr>
+              <a:t>SweatShop</a:t>
+            </a:r>
+            <a:endParaRPr lang="en-US" sz="2800" dirty="0">
+              <a:solidFill>
+                <a:schemeClr val="accent2">
+                  <a:lumMod val="75000"/>
+                </a:schemeClr>
+              </a:solidFill>
+            </a:endParaRPr>
           </a:p>
         </p:txBody>
       </p:sp>
@@ -6006,13 +6050,13 @@
         </p:nvSpPr>
         <p:spPr>
           <a:xfrm>
-            <a:off x="677333" y="2160588"/>
-            <a:ext cx="9142075" cy="4198648"/>
+            <a:off x="677333" y="1930400"/>
+            <a:ext cx="9142075" cy="4428836"/>
           </a:xfrm>
         </p:spPr>
         <p:txBody>
           <a:bodyPr>
-            <a:normAutofit fontScale="92500" lnSpcReduction="20000"/>
+            <a:normAutofit fontScale="85000" lnSpcReduction="20000"/>
           </a:bodyPr>
           <a:lstStyle/>
           <a:p>
@@ -6176,15 +6220,33 @@
                   <a:schemeClr val="tx1"/>
                 </a:solidFill>
               </a:rPr>
-              <a:t>(8 years)</a:t>
-            </a:r>
+              <a:t>(8 years</a:t>
+            </a:r>
+            <a:r>
+              <a:rPr lang="en-US" dirty="0" smtClean="0">
+                <a:solidFill>
+                  <a:schemeClr val="tx1"/>
+                </a:solidFill>
+              </a:rPr>
+              <a:t>)</a:t>
+            </a:r>
+          </a:p>
+          <a:p>
+            <a:pPr marL="457200" lvl="1" indent="0">
+              <a:buNone/>
+            </a:pPr>
             <a:endParaRPr lang="en-US" dirty="0"/>
           </a:p>
           <a:p>
             <a:r>
               <a:rPr lang="en-US" b="1" dirty="0"/>
-              <a:t>Project Outline:</a:t>
-            </a:r>
+              <a:t>Project Outline</a:t>
+            </a:r>
+            <a:r>
+              <a:rPr lang="en-US" b="1" dirty="0" smtClean="0"/>
+              <a:t>:</a:t>
+            </a:r>
+            <a:endParaRPr lang="en-US" b="1" dirty="0"/>
           </a:p>
           <a:p>
             <a:pPr lvl="1"/>
@@ -6212,8 +6274,13 @@
             <a:pPr lvl="1"/>
             <a:r>
               <a:rPr lang="en-US" dirty="0"/>
-              <a:t>Machine learning algorithm= Gaussian Naive Bayes (Classification)</a:t>
-            </a:r>
+              <a:t>Machine learning algorithm= </a:t>
+            </a:r>
+            <a:r>
+              <a:rPr lang="en-US" dirty="0" smtClean="0"/>
+              <a:t>Random Forest Classifier</a:t>
+            </a:r>
+            <a:endParaRPr lang="en-US" dirty="0"/>
           </a:p>
           <a:p>
             <a:pPr lvl="1"/>
@@ -6241,8 +6308,13 @@
             <a:pPr lvl="2"/>
             <a:r>
               <a:rPr lang="en-US" dirty="0"/>
-              <a:t>Communicate most-likely and uncertainty estimates for sweet spots</a:t>
-            </a:r>
+              <a:t>Communicate most-likely and uncertainty estimates for sweet </a:t>
+            </a:r>
+            <a:r>
+              <a:rPr lang="en-US" dirty="0" smtClean="0"/>
+              <a:t>spots4</a:t>
+            </a:r>
+            <a:endParaRPr lang="en-US" dirty="0"/>
           </a:p>
         </p:txBody>
       </p:sp>
@@ -6256,6 +6328,13 @@
   <p:clrMapOvr>
     <a:masterClrMapping/>
   </p:clrMapOvr>
+  <p:timing>
+    <p:tnLst>
+      <p:par>
+        <p:cTn id="1" dur="indefinite" restart="never" nodeType="tmRoot"/>
+      </p:par>
+    </p:tnLst>
+  </p:timing>
 </p:sld>
 </file>
 
@@ -6276,313 +6355,14 @@
           <a:chExt cx="0" cy="0"/>
         </a:xfrm>
       </p:grpSpPr>
-      <p:pic>
-        <p:nvPicPr>
-          <p:cNvPr id="3" name="Picture 2"/>
-          <p:cNvPicPr>
-            <a:picLocks noChangeAspect="1"/>
-          </p:cNvPicPr>
-          <p:nvPr/>
-        </p:nvPicPr>
-        <p:blipFill>
-          <a:blip r:embed="rId2"/>
-          <a:stretch>
-            <a:fillRect/>
-          </a:stretch>
-        </p:blipFill>
-        <p:spPr>
-          <a:xfrm>
-            <a:off x="327169" y="1060021"/>
-            <a:ext cx="2888167" cy="4489985"/>
-          </a:xfrm>
-          <a:prstGeom prst="rect">
-            <a:avLst/>
-          </a:prstGeom>
-        </p:spPr>
-      </p:pic>
-      <p:pic>
-        <p:nvPicPr>
-          <p:cNvPr id="9" name="Picture 8"/>
-          <p:cNvPicPr>
-            <a:picLocks noChangeAspect="1"/>
-          </p:cNvPicPr>
-          <p:nvPr/>
-        </p:nvPicPr>
-        <p:blipFill>
-          <a:blip r:embed="rId3"/>
-          <a:stretch>
-            <a:fillRect/>
-          </a:stretch>
-        </p:blipFill>
-        <p:spPr>
-          <a:xfrm>
-            <a:off x="3408283" y="1060021"/>
-            <a:ext cx="3075045" cy="4489986"/>
-          </a:xfrm>
-          <a:prstGeom prst="rect">
-            <a:avLst/>
-          </a:prstGeom>
-        </p:spPr>
-      </p:pic>
-      <p:pic>
-        <p:nvPicPr>
-          <p:cNvPr id="10" name="Picture 9"/>
-          <p:cNvPicPr>
-            <a:picLocks noChangeAspect="1"/>
-          </p:cNvPicPr>
-          <p:nvPr/>
-        </p:nvPicPr>
-        <p:blipFill>
-          <a:blip r:embed="rId4"/>
-          <a:stretch>
-            <a:fillRect/>
-          </a:stretch>
-        </p:blipFill>
-        <p:spPr>
-          <a:xfrm>
-            <a:off x="6676275" y="1060021"/>
-            <a:ext cx="3072691" cy="4422326"/>
-          </a:xfrm>
-          <a:prstGeom prst="rect">
-            <a:avLst/>
-          </a:prstGeom>
-          <a:ln>
-            <a:solidFill>
-              <a:schemeClr val="tx1"/>
-            </a:solidFill>
-          </a:ln>
-        </p:spPr>
-      </p:pic>
-      <p:sp>
-        <p:nvSpPr>
-          <p:cNvPr id="11" name="Right Arrow 10"/>
-          <p:cNvSpPr/>
-          <p:nvPr/>
-        </p:nvSpPr>
-        <p:spPr>
-          <a:xfrm>
-            <a:off x="9557245" y="3447705"/>
-            <a:ext cx="889233" cy="847288"/>
-          </a:xfrm>
-          <a:prstGeom prst="rightArrow">
-            <a:avLst/>
-          </a:prstGeom>
-        </p:spPr>
-        <p:style>
-          <a:lnRef idx="2">
-            <a:schemeClr val="accent1">
-              <a:shade val="50000"/>
-            </a:schemeClr>
-          </a:lnRef>
-          <a:fillRef idx="1">
-            <a:schemeClr val="accent1"/>
-          </a:fillRef>
-          <a:effectRef idx="0">
-            <a:schemeClr val="accent1"/>
-          </a:effectRef>
-          <a:fontRef idx="minor">
-            <a:schemeClr val="lt1"/>
-          </a:fontRef>
-        </p:style>
-        <p:txBody>
-          <a:bodyPr rtlCol="0" anchor="ctr"/>
-          <a:lstStyle/>
-          <a:p>
-            <a:pPr algn="ctr"/>
-            <a:endParaRPr lang="en-US"/>
-          </a:p>
-        </p:txBody>
-      </p:sp>
-      <p:sp>
-        <p:nvSpPr>
-          <p:cNvPr id="12" name="TextBox 11"/>
-          <p:cNvSpPr txBox="1"/>
-          <p:nvPr/>
-        </p:nvSpPr>
-        <p:spPr>
-          <a:xfrm rot="10800000" flipH="1" flipV="1">
-            <a:off x="10639425" y="3271185"/>
-            <a:ext cx="1409350" cy="1200329"/>
-          </a:xfrm>
-          <a:prstGeom prst="rect">
-            <a:avLst/>
-          </a:prstGeom>
-          <a:noFill/>
-        </p:spPr>
-        <p:txBody>
-          <a:bodyPr wrap="square" rtlCol="0">
-            <a:spAutoFit/>
-          </a:bodyPr>
-          <a:lstStyle/>
-          <a:p>
-            <a:r>
-              <a:rPr lang="en-US" dirty="0"/>
-              <a:t>Predict sweet spots for well Locations</a:t>
-            </a:r>
-          </a:p>
-        </p:txBody>
-      </p:sp>
-      <p:sp>
-        <p:nvSpPr>
-          <p:cNvPr id="13" name="TextBox 12"/>
-          <p:cNvSpPr txBox="1"/>
-          <p:nvPr/>
-        </p:nvSpPr>
-        <p:spPr>
-          <a:xfrm>
-            <a:off x="327169" y="5545671"/>
-            <a:ext cx="9076889" cy="1200329"/>
-          </a:xfrm>
-          <a:prstGeom prst="rect">
-            <a:avLst/>
-          </a:prstGeom>
-          <a:noFill/>
-        </p:spPr>
-        <p:txBody>
-          <a:bodyPr wrap="square" rtlCol="0">
-            <a:spAutoFit/>
-          </a:bodyPr>
-          <a:lstStyle/>
-          <a:p>
-            <a:pPr marL="285750" indent="-285750">
-              <a:buFontTx/>
-              <a:buChar char="-"/>
-            </a:pPr>
-            <a:r>
-              <a:rPr lang="en-US" dirty="0"/>
-              <a:t>Net &amp; average maps for reservoir properties (porosity, permeability, net/gross)</a:t>
-            </a:r>
-          </a:p>
-          <a:p>
-            <a:pPr marL="285750" indent="-285750">
-              <a:buFontTx/>
-              <a:buChar char="-"/>
-            </a:pPr>
-            <a:r>
-              <a:rPr lang="en-US" dirty="0"/>
-              <a:t>Thickness map</a:t>
-            </a:r>
-          </a:p>
-          <a:p>
-            <a:pPr marL="285750" indent="-285750">
-              <a:buFontTx/>
-              <a:buChar char="-"/>
-            </a:pPr>
-            <a:r>
-              <a:rPr lang="en-US" dirty="0"/>
-              <a:t>Combine to find sweet spots: Manually vs. Machine learning- prediction and validation</a:t>
-            </a:r>
-          </a:p>
-        </p:txBody>
-      </p:sp>
-      <p:sp>
-        <p:nvSpPr>
-          <p:cNvPr id="15" name="Title 1"/>
-          <p:cNvSpPr>
-            <a:spLocks noGrp="1"/>
-          </p:cNvSpPr>
-          <p:nvPr>
-            <p:ph type="title"/>
-          </p:nvPr>
-        </p:nvSpPr>
-        <p:spPr>
-          <a:xfrm>
-            <a:off x="327169" y="149623"/>
-            <a:ext cx="10312256" cy="1325563"/>
-          </a:xfrm>
-        </p:spPr>
-        <p:txBody>
-          <a:bodyPr>
-            <a:normAutofit/>
-          </a:bodyPr>
-          <a:lstStyle/>
-          <a:p>
-            <a:r>
-              <a:rPr lang="en-US" sz="3200" dirty="0"/>
-              <a:t>Predicting reservoir Sweet Spots with Machine Learning </a:t>
-            </a:r>
-          </a:p>
-        </p:txBody>
-      </p:sp>
-      <p:sp>
-        <p:nvSpPr>
-          <p:cNvPr id="14" name="TextBox 13">
-            <a:extLst>
-              <a:ext uri="{FF2B5EF4-FFF2-40B4-BE49-F238E27FC236}">
-                <a16:creationId xmlns:a16="http://schemas.microsoft.com/office/drawing/2014/main" id="{42243601-6BA3-4F39-9F78-11658218FB48}"/>
-              </a:ext>
-            </a:extLst>
-          </p:cNvPr>
-          <p:cNvSpPr txBox="1"/>
-          <p:nvPr/>
-        </p:nvSpPr>
-        <p:spPr>
-          <a:xfrm rot="10800000" flipH="1" flipV="1">
-            <a:off x="2510660" y="1092099"/>
-            <a:ext cx="4846103" cy="369332"/>
-          </a:xfrm>
-          <a:prstGeom prst="rect">
-            <a:avLst/>
-          </a:prstGeom>
-          <a:solidFill>
-            <a:schemeClr val="accent1">
-              <a:lumMod val="20000"/>
-              <a:lumOff val="80000"/>
-            </a:schemeClr>
-          </a:solidFill>
-        </p:spPr>
-        <p:txBody>
-          <a:bodyPr wrap="square" rtlCol="0">
-            <a:spAutoFit/>
-          </a:bodyPr>
-          <a:lstStyle/>
-          <a:p>
-            <a:pPr algn="ctr"/>
-            <a:r>
-              <a:rPr lang="en-US" dirty="0"/>
-              <a:t>Suite of reservoir property maps …</a:t>
-            </a:r>
-          </a:p>
-        </p:txBody>
-      </p:sp>
-    </p:spTree>
-    <p:extLst>
-      <p:ext uri="{BB962C8B-B14F-4D97-AF65-F5344CB8AC3E}">
-        <p14:creationId xmlns:p14="http://schemas.microsoft.com/office/powerpoint/2010/main" val="1650244089"/>
-      </p:ext>
-    </p:extLst>
-  </p:cSld>
-  <p:clrMapOvr>
-    <a:masterClrMapping/>
-  </p:clrMapOvr>
-</p:sld>
-</file>
-
-<file path=ppt/slides/slide3.xml><?xml version="1.0" encoding="utf-8"?>
-<p:sld xmlns:a="http://schemas.openxmlformats.org/drawingml/2006/main" xmlns:r="http://schemas.openxmlformats.org/officeDocument/2006/relationships" xmlns:p="http://schemas.openxmlformats.org/presentationml/2006/main">
-  <p:cSld>
-    <p:spTree>
-      <p:nvGrpSpPr>
-        <p:cNvPr id="1" name=""/>
-        <p:cNvGrpSpPr/>
-        <p:nvPr/>
-      </p:nvGrpSpPr>
-      <p:grpSpPr>
-        <a:xfrm>
-          <a:off x="0" y="0"/>
-          <a:ext cx="0" cy="0"/>
-          <a:chOff x="0" y="0"/>
-          <a:chExt cx="0" cy="0"/>
-        </a:xfrm>
-      </p:grpSpPr>
-      <p:sp>
-        <p:nvSpPr>
-          <p:cNvPr id="2" name="Title 1"/>
-          <p:cNvSpPr>
-            <a:spLocks noGrp="1"/>
-          </p:cNvSpPr>
-          <p:nvPr>
-            <p:ph type="title"/>
+      <p:sp>
+        <p:nvSpPr>
+          <p:cNvPr id="3" name="Content Placeholder 2"/>
+          <p:cNvSpPr>
+            <a:spLocks noGrp="1"/>
+          </p:cNvSpPr>
+          <p:nvPr>
+            <p:ph idx="1"/>
           </p:nvPr>
         </p:nvSpPr>
         <p:spPr/>
@@ -6591,30 +6371,18 @@
           <a:lstStyle/>
           <a:p>
             <a:r>
+              <a:rPr lang="en-US" dirty="0" smtClean="0"/>
+              <a:t>Petrel Workflow:</a:t>
+            </a:r>
+          </a:p>
+          <a:p>
+            <a:r>
+              <a:rPr lang="en-US" dirty="0" smtClean="0"/>
+              <a:t>Filtering </a:t>
+            </a:r>
+            <a:r>
               <a:rPr lang="en-US" dirty="0"/>
-              <a:t>Petrel Workflow</a:t>
-            </a:r>
-          </a:p>
-        </p:txBody>
-      </p:sp>
-      <p:sp>
-        <p:nvSpPr>
-          <p:cNvPr id="3" name="Content Placeholder 2"/>
-          <p:cNvSpPr>
-            <a:spLocks noGrp="1"/>
-          </p:cNvSpPr>
-          <p:nvPr>
-            <p:ph idx="1"/>
-          </p:nvPr>
-        </p:nvSpPr>
-        <p:spPr/>
-        <p:txBody>
-          <a:bodyPr/>
-          <a:lstStyle/>
-          <a:p>
-            <a:r>
-              <a:rPr lang="en-US" dirty="0"/>
-              <a:t>Filtering based on some criteria:</a:t>
+              <a:t>based on some criteria:</a:t>
             </a:r>
           </a:p>
           <a:p>
@@ -6738,6 +6506,225 @@
           </a:p>
         </p:txBody>
       </p:sp>
+      <p:sp>
+        <p:nvSpPr>
+          <p:cNvPr id="6" name="Title 1"/>
+          <p:cNvSpPr txBox="1">
+            <a:spLocks/>
+          </p:cNvSpPr>
+          <p:nvPr/>
+        </p:nvSpPr>
+        <p:spPr>
+          <a:xfrm>
+            <a:off x="327169" y="149623"/>
+            <a:ext cx="10312256" cy="1325563"/>
+          </a:xfrm>
+          <a:prstGeom prst="rect">
+            <a:avLst/>
+          </a:prstGeom>
+        </p:spPr>
+        <p:txBody>
+          <a:bodyPr vert="horz" lIns="91440" tIns="45720" rIns="91440" bIns="45720" rtlCol="0" anchor="t">
+            <a:normAutofit/>
+          </a:bodyPr>
+          <a:lstStyle>
+            <a:lvl1pPr algn="l" defTabSz="457200" rtl="0" eaLnBrk="1" latinLnBrk="0" hangingPunct="1">
+              <a:spcBef>
+                <a:spcPct val="0"/>
+              </a:spcBef>
+              <a:buNone/>
+              <a:defRPr sz="3600" kern="1200">
+                <a:solidFill>
+                  <a:schemeClr val="accent1"/>
+                </a:solidFill>
+                <a:latin typeface="+mj-lt"/>
+                <a:ea typeface="+mj-ea"/>
+                <a:cs typeface="+mj-cs"/>
+              </a:defRPr>
+            </a:lvl1pPr>
+            <a:lvl2pPr eaLnBrk="1" hangingPunct="1">
+              <a:defRPr>
+                <a:solidFill>
+                  <a:schemeClr val="tx2"/>
+                </a:solidFill>
+              </a:defRPr>
+            </a:lvl2pPr>
+            <a:lvl3pPr eaLnBrk="1" hangingPunct="1">
+              <a:defRPr>
+                <a:solidFill>
+                  <a:schemeClr val="tx2"/>
+                </a:solidFill>
+              </a:defRPr>
+            </a:lvl3pPr>
+            <a:lvl4pPr eaLnBrk="1" hangingPunct="1">
+              <a:defRPr>
+                <a:solidFill>
+                  <a:schemeClr val="tx2"/>
+                </a:solidFill>
+              </a:defRPr>
+            </a:lvl4pPr>
+            <a:lvl5pPr eaLnBrk="1" hangingPunct="1">
+              <a:defRPr>
+                <a:solidFill>
+                  <a:schemeClr val="tx2"/>
+                </a:solidFill>
+              </a:defRPr>
+            </a:lvl5pPr>
+            <a:lvl6pPr eaLnBrk="1" hangingPunct="1">
+              <a:defRPr>
+                <a:solidFill>
+                  <a:schemeClr val="tx2"/>
+                </a:solidFill>
+              </a:defRPr>
+            </a:lvl6pPr>
+            <a:lvl7pPr eaLnBrk="1" hangingPunct="1">
+              <a:defRPr>
+                <a:solidFill>
+                  <a:schemeClr val="tx2"/>
+                </a:solidFill>
+              </a:defRPr>
+            </a:lvl7pPr>
+            <a:lvl8pPr eaLnBrk="1" hangingPunct="1">
+              <a:defRPr>
+                <a:solidFill>
+                  <a:schemeClr val="tx2"/>
+                </a:solidFill>
+              </a:defRPr>
+            </a:lvl8pPr>
+            <a:lvl9pPr eaLnBrk="1" hangingPunct="1">
+              <a:defRPr>
+                <a:solidFill>
+                  <a:schemeClr val="tx2"/>
+                </a:solidFill>
+              </a:defRPr>
+            </a:lvl9pPr>
+          </a:lstStyle>
+          <a:p>
+            <a:r>
+              <a:rPr lang="en-US" sz="3200" smtClean="0"/>
+              <a:t>Predicting reservoir Sweet Spots with Machine Learning </a:t>
+            </a:r>
+            <a:endParaRPr lang="en-US" sz="3200" dirty="0"/>
+          </a:p>
+        </p:txBody>
+      </p:sp>
+      <p:pic>
+        <p:nvPicPr>
+          <p:cNvPr id="7" name="Picture 6"/>
+          <p:cNvPicPr>
+            <a:picLocks noChangeAspect="1"/>
+          </p:cNvPicPr>
+          <p:nvPr/>
+        </p:nvPicPr>
+        <p:blipFill>
+          <a:blip r:embed="rId3"/>
+          <a:stretch>
+            <a:fillRect/>
+          </a:stretch>
+        </p:blipFill>
+        <p:spPr>
+          <a:xfrm>
+            <a:off x="4963302" y="1048577"/>
+            <a:ext cx="1310992" cy="2038087"/>
+          </a:xfrm>
+          <a:prstGeom prst="rect">
+            <a:avLst/>
+          </a:prstGeom>
+        </p:spPr>
+      </p:pic>
+      <p:pic>
+        <p:nvPicPr>
+          <p:cNvPr id="8" name="Picture 7"/>
+          <p:cNvPicPr>
+            <a:picLocks noChangeAspect="1"/>
+          </p:cNvPicPr>
+          <p:nvPr/>
+        </p:nvPicPr>
+        <p:blipFill>
+          <a:blip r:embed="rId4"/>
+          <a:stretch>
+            <a:fillRect/>
+          </a:stretch>
+        </p:blipFill>
+        <p:spPr>
+          <a:xfrm>
+            <a:off x="6307575" y="1048577"/>
+            <a:ext cx="1395819" cy="2038087"/>
+          </a:xfrm>
+          <a:prstGeom prst="rect">
+            <a:avLst/>
+          </a:prstGeom>
+        </p:spPr>
+      </p:pic>
+      <p:pic>
+        <p:nvPicPr>
+          <p:cNvPr id="9" name="Picture 8"/>
+          <p:cNvPicPr>
+            <a:picLocks noChangeAspect="1"/>
+          </p:cNvPicPr>
+          <p:nvPr/>
+        </p:nvPicPr>
+        <p:blipFill>
+          <a:blip r:embed="rId5"/>
+          <a:stretch>
+            <a:fillRect/>
+          </a:stretch>
+        </p:blipFill>
+        <p:spPr>
+          <a:xfrm>
+            <a:off x="7879251" y="1079289"/>
+            <a:ext cx="1394751" cy="2007375"/>
+          </a:xfrm>
+          <a:prstGeom prst="rect">
+            <a:avLst/>
+          </a:prstGeom>
+          <a:ln>
+            <a:solidFill>
+              <a:schemeClr val="tx1"/>
+            </a:solidFill>
+          </a:ln>
+        </p:spPr>
+      </p:pic>
+      <p:sp>
+        <p:nvSpPr>
+          <p:cNvPr id="10" name="Right Arrow 9"/>
+          <p:cNvSpPr/>
+          <p:nvPr/>
+        </p:nvSpPr>
+        <p:spPr>
+          <a:xfrm rot="1742319">
+            <a:off x="9315805" y="1443797"/>
+            <a:ext cx="1207735" cy="580497"/>
+          </a:xfrm>
+          <a:prstGeom prst="rightArrow">
+            <a:avLst/>
+          </a:prstGeom>
+        </p:spPr>
+        <p:style>
+          <a:lnRef idx="2">
+            <a:schemeClr val="accent1">
+              <a:shade val="50000"/>
+            </a:schemeClr>
+          </a:lnRef>
+          <a:fillRef idx="1">
+            <a:schemeClr val="accent1"/>
+          </a:fillRef>
+          <a:effectRef idx="0">
+            <a:schemeClr val="accent1"/>
+          </a:effectRef>
+          <a:fontRef idx="minor">
+            <a:schemeClr val="lt1"/>
+          </a:fontRef>
+        </p:style>
+        <p:txBody>
+          <a:bodyPr rtlCol="0" anchor="ctr"/>
+          <a:lstStyle/>
+          <a:p>
+            <a:pPr algn="ctr"/>
+            <a:endParaRPr lang="en-US"/>
+          </a:p>
+        </p:txBody>
+      </p:sp>
     </p:spTree>
     <p:extLst>
       <p:ext uri="{BB962C8B-B14F-4D97-AF65-F5344CB8AC3E}">
@@ -6748,6 +6735,122 @@
   <p:clrMapOvr>
     <a:masterClrMapping/>
   </p:clrMapOvr>
+  <p:timing>
+    <p:tnLst>
+      <p:par>
+        <p:cTn id="1" dur="indefinite" restart="never" nodeType="tmRoot"/>
+      </p:par>
+    </p:tnLst>
+  </p:timing>
+</p:sld>
+</file>
+
+<file path=ppt/slides/slide3.xml><?xml version="1.0" encoding="utf-8"?>
+<p:sld xmlns:a="http://schemas.openxmlformats.org/drawingml/2006/main" xmlns:r="http://schemas.openxmlformats.org/officeDocument/2006/relationships" xmlns:p="http://schemas.openxmlformats.org/presentationml/2006/main">
+  <p:cSld>
+    <p:spTree>
+      <p:nvGrpSpPr>
+        <p:cNvPr id="1" name=""/>
+        <p:cNvGrpSpPr/>
+        <p:nvPr/>
+      </p:nvGrpSpPr>
+      <p:grpSpPr>
+        <a:xfrm>
+          <a:off x="0" y="0"/>
+          <a:ext cx="0" cy="0"/>
+          <a:chOff x="0" y="0"/>
+          <a:chExt cx="0" cy="0"/>
+        </a:xfrm>
+      </p:grpSpPr>
+      <p:sp>
+        <p:nvSpPr>
+          <p:cNvPr id="2" name="Title 1"/>
+          <p:cNvSpPr>
+            <a:spLocks noGrp="1"/>
+          </p:cNvSpPr>
+          <p:nvPr>
+            <p:ph type="title"/>
+          </p:nvPr>
+        </p:nvSpPr>
+        <p:spPr/>
+        <p:txBody>
+          <a:bodyPr/>
+          <a:lstStyle/>
+          <a:p>
+            <a:r>
+              <a:rPr lang="en-US" dirty="0"/>
+              <a:t>Machine </a:t>
+            </a:r>
+            <a:r>
+              <a:rPr lang="en-US"/>
+              <a:t>learning- demo</a:t>
+            </a:r>
+            <a:endParaRPr lang="en-US" dirty="0"/>
+          </a:p>
+        </p:txBody>
+      </p:sp>
+      <p:sp>
+        <p:nvSpPr>
+          <p:cNvPr id="3" name="Content Placeholder 2"/>
+          <p:cNvSpPr>
+            <a:spLocks noGrp="1"/>
+          </p:cNvSpPr>
+          <p:nvPr>
+            <p:ph idx="1"/>
+          </p:nvPr>
+        </p:nvSpPr>
+        <p:spPr/>
+        <p:txBody>
+          <a:bodyPr/>
+          <a:lstStyle/>
+          <a:p>
+            <a:r>
+              <a:rPr lang="en-US" dirty="0" err="1"/>
+              <a:t>Jupyter</a:t>
+            </a:r>
+            <a:r>
+              <a:rPr lang="en-US" dirty="0"/>
+              <a:t> notebooks</a:t>
+            </a:r>
+          </a:p>
+          <a:p>
+            <a:pPr lvl="1"/>
+            <a:r>
+              <a:rPr lang="en-US" dirty="0"/>
+              <a:t>Product output: Interactive display of results across </a:t>
+            </a:r>
+            <a:r>
+              <a:rPr lang="en-US" dirty="0" err="1"/>
+              <a:t>realisations</a:t>
+            </a:r>
+            <a:endParaRPr lang="en-US" dirty="0"/>
+          </a:p>
+          <a:p>
+            <a:pPr lvl="1"/>
+            <a:r>
+              <a:rPr lang="en-US" dirty="0"/>
+              <a:t>Validation test: compare prediction to new manually interpreted sweet spot map</a:t>
+            </a:r>
+          </a:p>
+        </p:txBody>
+      </p:sp>
+    </p:spTree>
+    <p:extLst>
+      <p:ext uri="{BB962C8B-B14F-4D97-AF65-F5344CB8AC3E}">
+        <p14:creationId xmlns:p14="http://schemas.microsoft.com/office/powerpoint/2010/main" val="45027736"/>
+      </p:ext>
+    </p:extLst>
+  </p:cSld>
+  <p:clrMapOvr>
+    <a:masterClrMapping/>
+  </p:clrMapOvr>
+  <p:timing>
+    <p:tnLst>
+      <p:par>
+        <p:cTn id="1" dur="indefinite" restart="never" nodeType="tmRoot"/>
+      </p:par>
+    </p:tnLst>
+  </p:timing>
 </p:sld>
 </file>
 
@@ -6778,109 +6881,12 @@
             <p:ph type="title"/>
           </p:nvPr>
         </p:nvSpPr>
-        <p:spPr/>
-        <p:txBody>
-          <a:bodyPr/>
-          <a:lstStyle/>
-          <a:p>
-            <a:r>
-              <a:rPr lang="en-US" dirty="0"/>
-              <a:t>Machine </a:t>
-            </a:r>
-            <a:r>
-              <a:rPr lang="en-US"/>
-              <a:t>learning- demo</a:t>
-            </a:r>
-            <a:endParaRPr lang="en-US" dirty="0"/>
-          </a:p>
-        </p:txBody>
-      </p:sp>
-      <p:sp>
-        <p:nvSpPr>
-          <p:cNvPr id="3" name="Content Placeholder 2"/>
-          <p:cNvSpPr>
-            <a:spLocks noGrp="1"/>
-          </p:cNvSpPr>
-          <p:nvPr>
-            <p:ph idx="1"/>
-          </p:nvPr>
-        </p:nvSpPr>
-        <p:spPr/>
-        <p:txBody>
-          <a:bodyPr/>
-          <a:lstStyle/>
-          <a:p>
-            <a:r>
-              <a:rPr lang="en-US" dirty="0" err="1"/>
-              <a:t>Jupyter</a:t>
-            </a:r>
-            <a:r>
-              <a:rPr lang="en-US" dirty="0"/>
-              <a:t> notebooks</a:t>
-            </a:r>
-          </a:p>
-          <a:p>
-            <a:pPr lvl="1"/>
-            <a:r>
-              <a:rPr lang="en-US" dirty="0"/>
-              <a:t>Product output: Interactive display of results across </a:t>
-            </a:r>
-            <a:r>
-              <a:rPr lang="en-US" dirty="0" err="1"/>
-              <a:t>realisations</a:t>
-            </a:r>
-            <a:endParaRPr lang="en-US" dirty="0"/>
-          </a:p>
-          <a:p>
-            <a:pPr lvl="1"/>
-            <a:r>
-              <a:rPr lang="en-US" dirty="0"/>
-              <a:t>Validation test: compare prediction to new manually interpreted sweet spot map</a:t>
-            </a:r>
-          </a:p>
-        </p:txBody>
-      </p:sp>
-    </p:spTree>
-    <p:extLst>
-      <p:ext uri="{BB962C8B-B14F-4D97-AF65-F5344CB8AC3E}">
-        <p14:creationId xmlns:p14="http://schemas.microsoft.com/office/powerpoint/2010/main" val="45027736"/>
-      </p:ext>
-    </p:extLst>
-  </p:cSld>
-  <p:clrMapOvr>
-    <a:masterClrMapping/>
-  </p:clrMapOvr>
-</p:sld>
-</file>
-
-<file path=ppt/slides/slide5.xml><?xml version="1.0" encoding="utf-8"?>
-<p:sld xmlns:a="http://schemas.openxmlformats.org/drawingml/2006/main" xmlns:r="http://schemas.openxmlformats.org/officeDocument/2006/relationships" xmlns:p="http://schemas.openxmlformats.org/presentationml/2006/main">
-  <p:cSld>
-    <p:spTree>
-      <p:nvGrpSpPr>
-        <p:cNvPr id="1" name=""/>
-        <p:cNvGrpSpPr/>
-        <p:nvPr/>
-      </p:nvGrpSpPr>
-      <p:grpSpPr>
-        <a:xfrm>
-          <a:off x="0" y="0"/>
-          <a:ext cx="0" cy="0"/>
-          <a:chOff x="0" y="0"/>
-          <a:chExt cx="0" cy="0"/>
-        </a:xfrm>
-      </p:grpSpPr>
-      <p:sp>
-        <p:nvSpPr>
-          <p:cNvPr id="2" name="Title 1"/>
-          <p:cNvSpPr>
-            <a:spLocks noGrp="1"/>
-          </p:cNvSpPr>
-          <p:nvPr>
-            <p:ph type="title"/>
-          </p:nvPr>
-        </p:nvSpPr>
-        <p:spPr/>
+        <p:spPr>
+          <a:xfrm>
+            <a:off x="677334" y="351905"/>
+            <a:ext cx="8596668" cy="703811"/>
+          </a:xfrm>
+        </p:spPr>
         <p:txBody>
           <a:bodyPr/>
           <a:lstStyle/>
@@ -6908,7 +6914,7 @@
         </p:blipFill>
         <p:spPr>
           <a:xfrm>
-            <a:off x="2647950" y="3387723"/>
+            <a:off x="1126720" y="1755833"/>
             <a:ext cx="6626052" cy="3437729"/>
           </a:xfrm>
           <a:prstGeom prst="rect">
@@ -6928,12 +6934,14 @@
         </p:nvSpPr>
         <p:spPr>
           <a:xfrm>
-            <a:off x="591609" y="1270000"/>
-            <a:ext cx="8596668" cy="3437729"/>
+            <a:off x="591609" y="1103745"/>
+            <a:ext cx="8596668" cy="816495"/>
           </a:xfrm>
         </p:spPr>
         <p:txBody>
-          <a:bodyPr/>
+          <a:bodyPr>
+            <a:normAutofit fontScale="85000" lnSpcReduction="20000"/>
+          </a:bodyPr>
           <a:lstStyle/>
           <a:p>
             <a:r>
@@ -6942,36 +6950,297 @@
             </a:r>
           </a:p>
           <a:p>
-            <a:endParaRPr lang="en-US" dirty="0"/>
-          </a:p>
-          <a:p>
+            <a:r>
+              <a:rPr lang="en-US" dirty="0" smtClean="0"/>
+              <a:t>Blind test results:</a:t>
+            </a:r>
             <a:r>
               <a:rPr lang="en-US" dirty="0"/>
-              <a:t>Improving the performance of the ML model</a:t>
-            </a:r>
-          </a:p>
-          <a:p>
-            <a:pPr lvl="1"/>
-            <a:r>
-              <a:rPr lang="en-US" dirty="0"/>
-              <a:t>Acquire data from different fields as additional training data</a:t>
-            </a:r>
-          </a:p>
-          <a:p>
-            <a:pPr lvl="1"/>
-            <a:r>
-              <a:rPr lang="en-US" dirty="0"/>
-              <a:t>Switch to Deep Learning: Convolutional Neural Networks to improve performance</a:t>
-            </a:r>
-          </a:p>
-          <a:p>
-            <a:pPr lvl="1"/>
-            <a:r>
-              <a:rPr lang="en-US" dirty="0"/>
-              <a:t>Feature Engineering</a:t>
+              <a:t/>
             </a:r>
             <a:br>
               <a:rPr lang="en-US" dirty="0"/>
+            </a:br>
+            <a:endParaRPr lang="en-US" i="1" dirty="0"/>
+          </a:p>
+        </p:txBody>
+      </p:sp>
+      <p:sp>
+        <p:nvSpPr>
+          <p:cNvPr id="5" name="Content Placeholder 2"/>
+          <p:cNvSpPr txBox="1">
+            <a:spLocks/>
+          </p:cNvSpPr>
+          <p:nvPr/>
+        </p:nvSpPr>
+        <p:spPr>
+          <a:xfrm>
+            <a:off x="677334" y="5253644"/>
+            <a:ext cx="8596668" cy="1429789"/>
+          </a:xfrm>
+          <a:prstGeom prst="rect">
+            <a:avLst/>
+          </a:prstGeom>
+        </p:spPr>
+        <p:txBody>
+          <a:bodyPr vert="horz" lIns="91440" tIns="45720" rIns="91440" bIns="45720" rtlCol="0">
+            <a:normAutofit fontScale="92500" lnSpcReduction="20000"/>
+          </a:bodyPr>
+          <a:lstStyle>
+            <a:lvl1pPr marL="342900" indent="-342900" algn="l" defTabSz="457200" rtl="0" eaLnBrk="1" latinLnBrk="0" hangingPunct="1">
+              <a:spcBef>
+                <a:spcPts val="1000"/>
+              </a:spcBef>
+              <a:spcAft>
+                <a:spcPts val="0"/>
+              </a:spcAft>
+              <a:buClr>
+                <a:schemeClr val="accent1"/>
+              </a:buClr>
+              <a:buSzPct val="80000"/>
+              <a:buFont typeface="Wingdings 3" charset="2"/>
+              <a:buChar char=""/>
+              <a:defRPr sz="1800" kern="1200">
+                <a:solidFill>
+                  <a:schemeClr val="tx1">
+                    <a:lumMod val="75000"/>
+                    <a:lumOff val="25000"/>
+                  </a:schemeClr>
+                </a:solidFill>
+                <a:latin typeface="+mn-lt"/>
+                <a:ea typeface="+mn-ea"/>
+                <a:cs typeface="+mn-cs"/>
+              </a:defRPr>
+            </a:lvl1pPr>
+            <a:lvl2pPr marL="742950" indent="-285750" algn="l" defTabSz="457200" rtl="0" eaLnBrk="1" latinLnBrk="0" hangingPunct="1">
+              <a:spcBef>
+                <a:spcPts val="1000"/>
+              </a:spcBef>
+              <a:spcAft>
+                <a:spcPts val="0"/>
+              </a:spcAft>
+              <a:buClr>
+                <a:schemeClr val="accent1"/>
+              </a:buClr>
+              <a:buSzPct val="80000"/>
+              <a:buFont typeface="Wingdings 3" charset="2"/>
+              <a:buChar char=""/>
+              <a:defRPr sz="1600" kern="1200">
+                <a:solidFill>
+                  <a:schemeClr val="tx1">
+                    <a:lumMod val="75000"/>
+                    <a:lumOff val="25000"/>
+                  </a:schemeClr>
+                </a:solidFill>
+                <a:latin typeface="+mn-lt"/>
+                <a:ea typeface="+mn-ea"/>
+                <a:cs typeface="+mn-cs"/>
+              </a:defRPr>
+            </a:lvl2pPr>
+            <a:lvl3pPr marL="1143000" indent="-228600" algn="l" defTabSz="457200" rtl="0" eaLnBrk="1" latinLnBrk="0" hangingPunct="1">
+              <a:spcBef>
+                <a:spcPts val="1000"/>
+              </a:spcBef>
+              <a:spcAft>
+                <a:spcPts val="0"/>
+              </a:spcAft>
+              <a:buClr>
+                <a:schemeClr val="accent1"/>
+              </a:buClr>
+              <a:buSzPct val="80000"/>
+              <a:buFont typeface="Wingdings 3" charset="2"/>
+              <a:buChar char=""/>
+              <a:defRPr sz="1400" kern="1200">
+                <a:solidFill>
+                  <a:schemeClr val="tx1">
+                    <a:lumMod val="75000"/>
+                    <a:lumOff val="25000"/>
+                  </a:schemeClr>
+                </a:solidFill>
+                <a:latin typeface="+mn-lt"/>
+                <a:ea typeface="+mn-ea"/>
+                <a:cs typeface="+mn-cs"/>
+              </a:defRPr>
+            </a:lvl3pPr>
+            <a:lvl4pPr marL="1600200" indent="-228600" algn="l" defTabSz="457200" rtl="0" eaLnBrk="1" latinLnBrk="0" hangingPunct="1">
+              <a:spcBef>
+                <a:spcPts val="1000"/>
+              </a:spcBef>
+              <a:spcAft>
+                <a:spcPts val="0"/>
+              </a:spcAft>
+              <a:buClr>
+                <a:schemeClr val="accent1"/>
+              </a:buClr>
+              <a:buSzPct val="80000"/>
+              <a:buFont typeface="Wingdings 3" charset="2"/>
+              <a:buChar char=""/>
+              <a:defRPr sz="1200" kern="1200">
+                <a:solidFill>
+                  <a:schemeClr val="tx1">
+                    <a:lumMod val="75000"/>
+                    <a:lumOff val="25000"/>
+                  </a:schemeClr>
+                </a:solidFill>
+                <a:latin typeface="+mn-lt"/>
+                <a:ea typeface="+mn-ea"/>
+                <a:cs typeface="+mn-cs"/>
+              </a:defRPr>
+            </a:lvl4pPr>
+            <a:lvl5pPr marL="2057400" indent="-228600" algn="l" defTabSz="457200" rtl="0" eaLnBrk="1" latinLnBrk="0" hangingPunct="1">
+              <a:spcBef>
+                <a:spcPts val="1000"/>
+              </a:spcBef>
+              <a:spcAft>
+                <a:spcPts val="0"/>
+              </a:spcAft>
+              <a:buClr>
+                <a:schemeClr val="accent1"/>
+              </a:buClr>
+              <a:buSzPct val="80000"/>
+              <a:buFont typeface="Wingdings 3" charset="2"/>
+              <a:buChar char=""/>
+              <a:defRPr sz="1200" kern="1200">
+                <a:solidFill>
+                  <a:schemeClr val="tx1">
+                    <a:lumMod val="75000"/>
+                    <a:lumOff val="25000"/>
+                  </a:schemeClr>
+                </a:solidFill>
+                <a:latin typeface="+mn-lt"/>
+                <a:ea typeface="+mn-ea"/>
+                <a:cs typeface="+mn-cs"/>
+              </a:defRPr>
+            </a:lvl5pPr>
+            <a:lvl6pPr marL="2514600" indent="-228600" algn="l" defTabSz="457200" rtl="0" eaLnBrk="1" latinLnBrk="0" hangingPunct="1">
+              <a:spcBef>
+                <a:spcPts val="1000"/>
+              </a:spcBef>
+              <a:spcAft>
+                <a:spcPts val="0"/>
+              </a:spcAft>
+              <a:buClr>
+                <a:schemeClr val="accent1"/>
+              </a:buClr>
+              <a:buSzPct val="80000"/>
+              <a:buFont typeface="Wingdings 3" charset="2"/>
+              <a:buChar char=""/>
+              <a:defRPr sz="1200" kern="1200">
+                <a:solidFill>
+                  <a:schemeClr val="tx1">
+                    <a:lumMod val="75000"/>
+                    <a:lumOff val="25000"/>
+                  </a:schemeClr>
+                </a:solidFill>
+                <a:latin typeface="+mn-lt"/>
+                <a:ea typeface="+mn-ea"/>
+                <a:cs typeface="+mn-cs"/>
+              </a:defRPr>
+            </a:lvl6pPr>
+            <a:lvl7pPr marL="2971800" indent="-228600" algn="l" defTabSz="457200" rtl="0" eaLnBrk="1" latinLnBrk="0" hangingPunct="1">
+              <a:spcBef>
+                <a:spcPts val="1000"/>
+              </a:spcBef>
+              <a:spcAft>
+                <a:spcPts val="0"/>
+              </a:spcAft>
+              <a:buClr>
+                <a:schemeClr val="accent1"/>
+              </a:buClr>
+              <a:buSzPct val="80000"/>
+              <a:buFont typeface="Wingdings 3" charset="2"/>
+              <a:buChar char=""/>
+              <a:defRPr sz="1200" kern="1200">
+                <a:solidFill>
+                  <a:schemeClr val="tx1">
+                    <a:lumMod val="75000"/>
+                    <a:lumOff val="25000"/>
+                  </a:schemeClr>
+                </a:solidFill>
+                <a:latin typeface="+mn-lt"/>
+                <a:ea typeface="+mn-ea"/>
+                <a:cs typeface="+mn-cs"/>
+              </a:defRPr>
+            </a:lvl7pPr>
+            <a:lvl8pPr marL="3429000" indent="-228600" algn="l" defTabSz="457200" rtl="0" eaLnBrk="1" latinLnBrk="0" hangingPunct="1">
+              <a:spcBef>
+                <a:spcPts val="1000"/>
+              </a:spcBef>
+              <a:spcAft>
+                <a:spcPts val="0"/>
+              </a:spcAft>
+              <a:buClr>
+                <a:schemeClr val="accent1"/>
+              </a:buClr>
+              <a:buSzPct val="80000"/>
+              <a:buFont typeface="Wingdings 3" charset="2"/>
+              <a:buChar char=""/>
+              <a:defRPr sz="1200" kern="1200">
+                <a:solidFill>
+                  <a:schemeClr val="tx1">
+                    <a:lumMod val="75000"/>
+                    <a:lumOff val="25000"/>
+                  </a:schemeClr>
+                </a:solidFill>
+                <a:latin typeface="+mn-lt"/>
+                <a:ea typeface="+mn-ea"/>
+                <a:cs typeface="+mn-cs"/>
+              </a:defRPr>
+            </a:lvl8pPr>
+            <a:lvl9pPr marL="3886200" indent="-228600" algn="l" defTabSz="457200" rtl="0" eaLnBrk="1" latinLnBrk="0" hangingPunct="1">
+              <a:spcBef>
+                <a:spcPts val="1000"/>
+              </a:spcBef>
+              <a:spcAft>
+                <a:spcPts val="0"/>
+              </a:spcAft>
+              <a:buClr>
+                <a:schemeClr val="accent1"/>
+              </a:buClr>
+              <a:buSzPct val="80000"/>
+              <a:buFont typeface="Wingdings 3" charset="2"/>
+              <a:buChar char=""/>
+              <a:defRPr sz="1200" kern="1200">
+                <a:solidFill>
+                  <a:schemeClr val="tx1">
+                    <a:lumMod val="75000"/>
+                    <a:lumOff val="25000"/>
+                  </a:schemeClr>
+                </a:solidFill>
+                <a:latin typeface="+mn-lt"/>
+                <a:ea typeface="+mn-ea"/>
+                <a:cs typeface="+mn-cs"/>
+              </a:defRPr>
+            </a:lvl9pPr>
+          </a:lstStyle>
+          <a:p>
+            <a:r>
+              <a:rPr lang="en-US" dirty="0" smtClean="0"/>
+              <a:t>Improving the performance of the ML model</a:t>
+            </a:r>
+          </a:p>
+          <a:p>
+            <a:pPr lvl="1"/>
+            <a:r>
+              <a:rPr lang="en-US" dirty="0" smtClean="0"/>
+              <a:t>Acquire data from different fields as additional training data</a:t>
+            </a:r>
+          </a:p>
+          <a:p>
+            <a:pPr lvl="1"/>
+            <a:r>
+              <a:rPr lang="en-US" dirty="0" smtClean="0"/>
+              <a:t>Switch to Deep Learning: Convolutional Neural Networks to improve performance</a:t>
+            </a:r>
+          </a:p>
+          <a:p>
+            <a:pPr lvl="1"/>
+            <a:r>
+              <a:rPr lang="en-US" dirty="0" smtClean="0"/>
+              <a:t>Feature Engineering</a:t>
+            </a:r>
+            <a:br>
+              <a:rPr lang="en-US" dirty="0" smtClean="0"/>
             </a:br>
             <a:endParaRPr lang="en-US" i="1" dirty="0"/>
           </a:p>
@@ -6987,6 +7256,13 @@
   <p:clrMapOvr>
     <a:masterClrMapping/>
   </p:clrMapOvr>
+  <p:timing>
+    <p:tnLst>
+      <p:par>
+        <p:cTn id="1" dur="indefinite" restart="never" nodeType="tmRoot"/>
+      </p:par>
+    </p:tnLst>
+  </p:timing>
 </p:sld>
 </file>
 
